--- a/Lectures/cse220-06-selection.pptx
+++ b/Lectures/cse220-06-selection.pptx
@@ -5,7 +5,7 @@
     <p:sldMasterId id="2147483720" r:id="rId1"/>
   </p:sldMasterIdLst>
   <p:notesMasterIdLst>
-    <p:notesMasterId r:id="rId33"/>
+    <p:notesMasterId r:id="rId34"/>
   </p:notesMasterIdLst>
   <p:sldIdLst>
     <p:sldId id="256" r:id="rId2"/>
@@ -33,12 +33,13 @@
     <p:sldId id="350" r:id="rId24"/>
     <p:sldId id="351" r:id="rId25"/>
     <p:sldId id="352" r:id="rId26"/>
-    <p:sldId id="353" r:id="rId27"/>
-    <p:sldId id="355" r:id="rId28"/>
-    <p:sldId id="354" r:id="rId29"/>
-    <p:sldId id="364" r:id="rId30"/>
-    <p:sldId id="312" r:id="rId31"/>
-    <p:sldId id="334" r:id="rId32"/>
+    <p:sldId id="368" r:id="rId27"/>
+    <p:sldId id="353" r:id="rId28"/>
+    <p:sldId id="355" r:id="rId29"/>
+    <p:sldId id="354" r:id="rId30"/>
+    <p:sldId id="364" r:id="rId31"/>
+    <p:sldId id="312" r:id="rId32"/>
+    <p:sldId id="334" r:id="rId33"/>
   </p:sldIdLst>
   <p:sldSz cx="9144000" cy="6858000" type="screen4x3"/>
   <p:notesSz cx="7315200" cy="9601200"/>
@@ -239,7 +240,7 @@
             <a:fld id="{5FFCA113-0588-4274-BF6F-5C1EF80E94D3}" type="datetimeFigureOut">
               <a:rPr lang="en-US" smtClean="0"/>
               <a:pPr/>
-              <a:t>9/22/20</a:t>
+              <a:t>9/28/20</a:t>
             </a:fld>
             <a:endParaRPr lang="en-US"/>
           </a:p>
@@ -801,7 +802,7 @@
           <a:p>
             <a:fld id="{40AB42BD-A01E-42A0-A69B-461629C22D80}" type="datetime1">
               <a:rPr lang="en-US" smtClean="0"/>
-              <a:t>9/22/20</a:t>
+              <a:t>9/28/20</a:t>
             </a:fld>
             <a:endParaRPr lang="en-US"/>
           </a:p>
@@ -1003,7 +1004,7 @@
           <a:p>
             <a:fld id="{D1E33B59-CF28-4EE2-84D5-7D8E68B05CBC}" type="datetime1">
               <a:rPr lang="en-US" smtClean="0"/>
-              <a:t>9/22/20</a:t>
+              <a:t>9/28/20</a:t>
             </a:fld>
             <a:endParaRPr lang="en-US"/>
           </a:p>
@@ -1188,7 +1189,7 @@
           <a:p>
             <a:fld id="{5A9F847D-7CD5-4216-BA02-1372C8B7FAAD}" type="datetime1">
               <a:rPr lang="en-US" smtClean="0"/>
-              <a:t>9/22/20</a:t>
+              <a:t>9/28/20</a:t>
             </a:fld>
             <a:endParaRPr lang="en-US"/>
           </a:p>
@@ -1368,7 +1369,7 @@
           <a:p>
             <a:fld id="{357E262E-5908-4AB3-B605-A284C18D1A96}" type="datetime1">
               <a:rPr lang="en-US" smtClean="0"/>
-              <a:t>9/22/20</a:t>
+              <a:t>9/28/20</a:t>
             </a:fld>
             <a:endParaRPr lang="en-US" dirty="0"/>
           </a:p>
@@ -1628,7 +1629,7 @@
           <a:p>
             <a:fld id="{E11DBFF6-45AE-4842-BD32-25882B3FAE5A}" type="datetime1">
               <a:rPr lang="en-US" smtClean="0"/>
-              <a:t>9/22/20</a:t>
+              <a:t>9/28/20</a:t>
             </a:fld>
             <a:endParaRPr lang="en-US"/>
           </a:p>
@@ -1964,7 +1965,7 @@
           <a:p>
             <a:fld id="{606673AD-5E19-4755-960D-58A877C4F49D}" type="datetime1">
               <a:rPr lang="en-US" smtClean="0"/>
-              <a:t>9/22/20</a:t>
+              <a:t>9/28/20</a:t>
             </a:fld>
             <a:endParaRPr lang="en-US" dirty="0"/>
           </a:p>
@@ -2391,7 +2392,7 @@
           <a:p>
             <a:fld id="{19068EAC-A086-4F3E-A0AC-5E6EAF44C73C}" type="datetime1">
               <a:rPr lang="en-US" smtClean="0"/>
-              <a:t>9/22/20</a:t>
+              <a:t>9/28/20</a:t>
             </a:fld>
             <a:endParaRPr lang="en-US"/>
           </a:p>
@@ -2514,7 +2515,7 @@
           <a:p>
             <a:fld id="{088C405C-87BA-40F3-9E38-8B43251C6338}" type="datetime1">
               <a:rPr lang="en-US" smtClean="0"/>
-              <a:t>9/22/20</a:t>
+              <a:t>9/28/20</a:t>
             </a:fld>
             <a:endParaRPr lang="en-US"/>
           </a:p>
@@ -2614,7 +2615,7 @@
           <a:p>
             <a:fld id="{847FC50A-388D-4BFA-B485-93E123251224}" type="datetime1">
               <a:rPr lang="en-US" smtClean="0"/>
-              <a:t>9/22/20</a:t>
+              <a:t>9/28/20</a:t>
             </a:fld>
             <a:endParaRPr lang="en-US"/>
           </a:p>
@@ -2906,7 +2907,7 @@
           <a:p>
             <a:fld id="{2517D79C-BD3E-4994-AA83-38CE7B71B098}" type="datetime1">
               <a:rPr lang="en-US" smtClean="0"/>
-              <a:t>9/22/20</a:t>
+              <a:t>9/28/20</a:t>
             </a:fld>
             <a:endParaRPr lang="en-US"/>
           </a:p>
@@ -3236,7 +3237,7 @@
           <a:p>
             <a:fld id="{EEE00BE8-4844-4725-B423-494A4E4D7AC0}" type="datetime1">
               <a:rPr lang="en-US" smtClean="0"/>
-              <a:t>9/22/20</a:t>
+              <a:t>9/28/20</a:t>
             </a:fld>
             <a:endParaRPr lang="en-US"/>
           </a:p>
@@ -3495,7 +3496,7 @@
           <a:p>
             <a:fld id="{384B3089-03D4-445F-AF5E-53D45E60F22E}" type="datetime1">
               <a:rPr lang="en-US" smtClean="0"/>
-              <a:t>9/22/20</a:t>
+              <a:t>9/28/20</a:t>
             </a:fld>
             <a:endParaRPr lang="en-US"/>
           </a:p>
@@ -12240,7 +12241,13 @@
       </p:grpSpPr>
       <p:sp>
         <p:nvSpPr>
-          <p:cNvPr id="2" name="Title 1"/>
+          <p:cNvPr id="2" name="Title 1">
+            <a:extLst>
+              <a:ext uri="{FF2B5EF4-FFF2-40B4-BE49-F238E27FC236}">
+                <a16:creationId xmlns:a16="http://schemas.microsoft.com/office/drawing/2014/main" id="{27769BA2-8B0E-C24C-80DE-103EE22E75BB}"/>
+              </a:ext>
+            </a:extLst>
+          </p:cNvPr>
           <p:cNvSpPr>
             <a:spLocks noGrp="1"/>
           </p:cNvSpPr>
@@ -12248,26 +12255,27 @@
             <p:ph type="title"/>
           </p:nvPr>
         </p:nvSpPr>
-        <p:spPr>
-          <a:xfrm>
-            <a:off x="228600" y="-457200"/>
-            <a:ext cx="7269480" cy="1325562"/>
-          </a:xfrm>
-        </p:spPr>
+        <p:spPr/>
         <p:txBody>
           <a:bodyPr/>
           <a:lstStyle/>
           <a:p>
             <a:r>
-              <a:rPr lang="en-US" dirty="0"/>
-              <a:t>Switch Statement</a:t>
-            </a:r>
-          </a:p>
-        </p:txBody>
-      </p:sp>
-      <p:sp>
-        <p:nvSpPr>
-          <p:cNvPr id="3" name="Content Placeholder 2"/>
+              <a:rPr lang="en-CN" dirty="0"/>
+              <a:t>Lab</a:t>
+            </a:r>
+          </a:p>
+        </p:txBody>
+      </p:sp>
+      <p:sp>
+        <p:nvSpPr>
+          <p:cNvPr id="3" name="Content Placeholder 2">
+            <a:extLst>
+              <a:ext uri="{FF2B5EF4-FFF2-40B4-BE49-F238E27FC236}">
+                <a16:creationId xmlns:a16="http://schemas.microsoft.com/office/drawing/2014/main" id="{CC9DFC74-BA13-AF43-A7CE-B76A9B5C3653}"/>
+              </a:ext>
+            </a:extLst>
+          </p:cNvPr>
           <p:cNvSpPr>
             <a:spLocks noGrp="1"/>
           </p:cNvSpPr>
@@ -12275,102 +12283,104 @@
             <p:ph idx="1"/>
           </p:nvPr>
         </p:nvSpPr>
-        <p:spPr>
-          <a:xfrm>
-            <a:off x="4616493" y="1295401"/>
-            <a:ext cx="3797440" cy="4876800"/>
-          </a:xfrm>
-        </p:spPr>
-        <p:txBody>
-          <a:bodyPr>
-            <a:normAutofit/>
-          </a:bodyPr>
-          <a:lstStyle/>
-          <a:p>
+        <p:spPr/>
+        <p:txBody>
+          <a:bodyPr/>
+          <a:lstStyle/>
+          <a:p>
+            <a:r>
+              <a:rPr lang="en-CN" dirty="0"/>
+              <a:t>The attendence of Lab is a must.</a:t>
+            </a:r>
+          </a:p>
+          <a:p>
+            <a:pPr lvl="1"/>
+            <a:r>
+              <a:rPr lang="en-CN" dirty="0"/>
+              <a:t>Allow 2 miss</a:t>
+            </a:r>
+          </a:p>
+          <a:p>
+            <a:r>
+              <a:rPr lang="en-CN" dirty="0"/>
+              <a:t>Checking is mandatory before the end of Lab</a:t>
+            </a:r>
+          </a:p>
+          <a:p>
+            <a:pPr lvl="1"/>
             <a:r>
               <a:rPr lang="en-US" dirty="0"/>
-              <a:t>Switch must be followed by </a:t>
-            </a:r>
-            <a:r>
-              <a:rPr lang="en-US" dirty="0" err="1"/>
-              <a:t>int</a:t>
-            </a:r>
+              <a:t>H</a:t>
+            </a:r>
+            <a:r>
+              <a:rPr lang="en-CN" dirty="0"/>
+              <a:t>alf credit only for late checking (befor the next Monday) </a:t>
+            </a:r>
+          </a:p>
+          <a:p>
+            <a:r>
+              <a:rPr lang="en-CN" dirty="0"/>
+              <a:t>Collobration in the breakout room</a:t>
+            </a:r>
+          </a:p>
+          <a:p>
+            <a:pPr lvl="1"/>
+            <a:r>
+              <a:rPr lang="en-CN" dirty="0"/>
+              <a:t>DO NOT publish your codes</a:t>
+            </a:r>
+            <a:r>
+              <a:rPr lang="zh-CN" altLang="en-US" dirty="0"/>
+              <a:t> </a:t>
+            </a:r>
+            <a:r>
+              <a:rPr lang="en-US" altLang="zh-CN" dirty="0"/>
+              <a:t>after checking</a:t>
+            </a:r>
+            <a:r>
+              <a:rPr lang="en-CN" dirty="0"/>
+              <a:t>, otherwise you will not get the credit.</a:t>
+            </a:r>
+          </a:p>
+          <a:p>
+            <a:r>
+              <a:rPr lang="en-CN" dirty="0"/>
+              <a:t>Internet</a:t>
+            </a:r>
+            <a:r>
+              <a:rPr lang="zh-CN" altLang="en-US" dirty="0"/>
+              <a:t> </a:t>
+            </a:r>
+            <a:r>
+              <a:rPr lang="en-US" altLang="zh-CN" dirty="0"/>
+              <a:t>Lag</a:t>
+            </a:r>
+          </a:p>
+          <a:p>
+            <a:pPr lvl="1"/>
             <a:r>
               <a:rPr lang="en-US" dirty="0"/>
-              <a:t> (or char)</a:t>
-            </a:r>
-          </a:p>
-          <a:p>
-            <a:r>
-              <a:rPr lang="en-US" dirty="0"/>
-              <a:t>No braces after case label</a:t>
-            </a:r>
-          </a:p>
-          <a:p>
-            <a:r>
-              <a:rPr lang="en-US" dirty="0"/>
-              <a:t>Constant expressions:</a:t>
-            </a:r>
-          </a:p>
-          <a:p>
-            <a:pPr lvl="1"/>
-            <a:r>
-              <a:rPr lang="en-US" dirty="0"/>
-              <a:t>1, 4+3, </a:t>
-            </a:r>
-          </a:p>
-          <a:p>
-            <a:pPr lvl="1"/>
-            <a:r>
-              <a:rPr lang="en-US" dirty="0"/>
-              <a:t>x + 1: if x is defined by a constant macro: #define x 5</a:t>
-            </a:r>
-          </a:p>
-          <a:p>
-            <a:r>
-              <a:rPr lang="en-US" dirty="0"/>
-              <a:t>Duplicate labels not allowed</a:t>
-            </a:r>
-          </a:p>
-          <a:p>
-            <a:r>
-              <a:rPr lang="en-US" i="1" dirty="0">
-                <a:solidFill>
-                  <a:srgbClr val="C00000"/>
-                </a:solidFill>
-              </a:rPr>
-              <a:t>break</a:t>
-            </a:r>
-            <a:r>
-              <a:rPr lang="en-US" dirty="0"/>
-              <a:t>: exit the switch statement</a:t>
-            </a:r>
-          </a:p>
-          <a:p>
-            <a:r>
-              <a:rPr lang="en-US" i="1" dirty="0">
-                <a:solidFill>
-                  <a:srgbClr val="C00000"/>
-                </a:solidFill>
-              </a:rPr>
-              <a:t>default</a:t>
-            </a:r>
-            <a:r>
-              <a:rPr lang="en-US" dirty="0"/>
-              <a:t>: executed if no match</a:t>
-            </a:r>
-          </a:p>
-          <a:p>
-            <a:r>
-              <a:rPr lang="en-US" dirty="0"/>
-              <a:t>Can group case labels </a:t>
-            </a:r>
-          </a:p>
-        </p:txBody>
-      </p:sp>
-      <p:sp>
-        <p:nvSpPr>
-          <p:cNvPr id="12" name="Slide Number Placeholder 11"/>
+              <a:t>Extend the checking deadline if needed</a:t>
+            </a:r>
+            <a:endParaRPr lang="en-CN" dirty="0"/>
+          </a:p>
+          <a:p>
+            <a:pPr marL="274320" lvl="1" indent="0">
+              <a:buNone/>
+            </a:pPr>
+            <a:endParaRPr lang="en-CN" dirty="0"/>
+          </a:p>
+        </p:txBody>
+      </p:sp>
+      <p:sp>
+        <p:nvSpPr>
+          <p:cNvPr id="4" name="Slide Number Placeholder 3">
+            <a:extLst>
+              <a:ext uri="{FF2B5EF4-FFF2-40B4-BE49-F238E27FC236}">
+                <a16:creationId xmlns:a16="http://schemas.microsoft.com/office/drawing/2014/main" id="{18C0C7FC-E808-9149-A065-D8C9CDB5B34B}"/>
+              </a:ext>
+            </a:extLst>
+          </p:cNvPr>
           <p:cNvSpPr>
             <a:spLocks noGrp="1"/>
           </p:cNvSpPr>
@@ -12392,449 +12402,10 @@
           </a:p>
         </p:txBody>
       </p:sp>
-      <p:sp>
-        <p:nvSpPr>
-          <p:cNvPr id="6" name="TextBox 5"/>
-          <p:cNvSpPr txBox="1"/>
-          <p:nvPr/>
-        </p:nvSpPr>
-        <p:spPr>
-          <a:xfrm>
-            <a:off x="0" y="1274088"/>
-            <a:ext cx="4419600" cy="5078313"/>
-          </a:xfrm>
-          <a:prstGeom prst="rect">
-            <a:avLst/>
-          </a:prstGeom>
-          <a:noFill/>
-          <a:ln>
-            <a:solidFill>
-              <a:schemeClr val="tx1"/>
-            </a:solidFill>
-            <a:prstDash val="dash"/>
-          </a:ln>
-        </p:spPr>
-        <p:txBody>
-          <a:bodyPr wrap="square" rtlCol="0">
-            <a:spAutoFit/>
-          </a:bodyPr>
-          <a:lstStyle/>
-          <a:p>
-            <a:r>
-              <a:rPr lang="en-US" dirty="0">
-                <a:solidFill>
-                  <a:srgbClr val="0B2B91"/>
-                </a:solidFill>
-                <a:latin typeface="Consolas" charset="0"/>
-                <a:ea typeface="Consolas" charset="0"/>
-                <a:cs typeface="Consolas" charset="0"/>
-              </a:rPr>
-              <a:t>switch (day) {</a:t>
-            </a:r>
-          </a:p>
-          <a:p>
-            <a:r>
-              <a:rPr lang="en-US" dirty="0">
-                <a:solidFill>
-                  <a:srgbClr val="0B2B91"/>
-                </a:solidFill>
-                <a:latin typeface="Consolas" charset="0"/>
-                <a:ea typeface="Consolas" charset="0"/>
-                <a:cs typeface="Consolas" charset="0"/>
-              </a:rPr>
-              <a:t>   case 1: </a:t>
-            </a:r>
-            <a:r>
-              <a:rPr lang="en-US" dirty="0" err="1">
-                <a:solidFill>
-                  <a:srgbClr val="0B2B91"/>
-                </a:solidFill>
-                <a:latin typeface="Consolas" charset="0"/>
-                <a:ea typeface="Consolas" charset="0"/>
-                <a:cs typeface="Consolas" charset="0"/>
-              </a:rPr>
-              <a:t>printf</a:t>
-            </a:r>
-            <a:r>
-              <a:rPr lang="en-US" dirty="0">
-                <a:solidFill>
-                  <a:srgbClr val="0B2B91"/>
-                </a:solidFill>
-                <a:latin typeface="Consolas" charset="0"/>
-                <a:ea typeface="Consolas" charset="0"/>
-                <a:cs typeface="Consolas" charset="0"/>
-              </a:rPr>
-              <a:t>(“Monday\n”);</a:t>
-            </a:r>
-          </a:p>
-          <a:p>
-            <a:r>
-              <a:rPr lang="en-US" dirty="0">
-                <a:solidFill>
-                  <a:srgbClr val="0B2B91"/>
-                </a:solidFill>
-                <a:latin typeface="Consolas" charset="0"/>
-                <a:ea typeface="Consolas" charset="0"/>
-                <a:cs typeface="Consolas" charset="0"/>
-              </a:rPr>
-              <a:t>                break;</a:t>
-            </a:r>
-          </a:p>
-          <a:p>
-            <a:r>
-              <a:rPr lang="en-US" dirty="0">
-                <a:solidFill>
-                  <a:srgbClr val="0B2B91"/>
-                </a:solidFill>
-                <a:latin typeface="Consolas" charset="0"/>
-                <a:ea typeface="Consolas" charset="0"/>
-                <a:cs typeface="Consolas" charset="0"/>
-              </a:rPr>
-              <a:t>   case 2: </a:t>
-            </a:r>
-            <a:r>
-              <a:rPr lang="en-US" dirty="0" err="1">
-                <a:solidFill>
-                  <a:srgbClr val="0B2B91"/>
-                </a:solidFill>
-                <a:latin typeface="Consolas" charset="0"/>
-                <a:ea typeface="Consolas" charset="0"/>
-                <a:cs typeface="Consolas" charset="0"/>
-              </a:rPr>
-              <a:t>printf</a:t>
-            </a:r>
-            <a:r>
-              <a:rPr lang="en-US" dirty="0">
-                <a:solidFill>
-                  <a:srgbClr val="0B2B91"/>
-                </a:solidFill>
-                <a:latin typeface="Consolas" charset="0"/>
-                <a:ea typeface="Consolas" charset="0"/>
-                <a:cs typeface="Consolas" charset="0"/>
-              </a:rPr>
-              <a:t>(“Tuesday\n”);</a:t>
-            </a:r>
-          </a:p>
-          <a:p>
-            <a:r>
-              <a:rPr lang="en-US" dirty="0">
-                <a:solidFill>
-                  <a:srgbClr val="0B2B91"/>
-                </a:solidFill>
-                <a:latin typeface="Consolas" charset="0"/>
-                <a:ea typeface="Consolas" charset="0"/>
-                <a:cs typeface="Consolas" charset="0"/>
-              </a:rPr>
-              <a:t>                break;</a:t>
-            </a:r>
-          </a:p>
-          <a:p>
-            <a:r>
-              <a:rPr lang="en-US" dirty="0">
-                <a:solidFill>
-                  <a:srgbClr val="0B2B91"/>
-                </a:solidFill>
-                <a:latin typeface="Consolas" charset="0"/>
-                <a:ea typeface="Consolas" charset="0"/>
-                <a:cs typeface="Consolas" charset="0"/>
-              </a:rPr>
-              <a:t>   case 3: </a:t>
-            </a:r>
-            <a:r>
-              <a:rPr lang="en-US" dirty="0" err="1">
-                <a:solidFill>
-                  <a:srgbClr val="0B2B91"/>
-                </a:solidFill>
-                <a:latin typeface="Consolas" charset="0"/>
-                <a:ea typeface="Consolas" charset="0"/>
-                <a:cs typeface="Consolas" charset="0"/>
-              </a:rPr>
-              <a:t>printf</a:t>
-            </a:r>
-            <a:r>
-              <a:rPr lang="en-US" dirty="0">
-                <a:solidFill>
-                  <a:srgbClr val="0B2B91"/>
-                </a:solidFill>
-                <a:latin typeface="Consolas" charset="0"/>
-                <a:ea typeface="Consolas" charset="0"/>
-                <a:cs typeface="Consolas" charset="0"/>
-              </a:rPr>
-              <a:t>(“Wednesday\n”);</a:t>
-            </a:r>
-          </a:p>
-          <a:p>
-            <a:r>
-              <a:rPr lang="en-US" dirty="0">
-                <a:solidFill>
-                  <a:srgbClr val="0B2B91"/>
-                </a:solidFill>
-                <a:latin typeface="Consolas" charset="0"/>
-                <a:ea typeface="Consolas" charset="0"/>
-                <a:cs typeface="Consolas" charset="0"/>
-              </a:rPr>
-              <a:t>                break;</a:t>
-            </a:r>
-          </a:p>
-          <a:p>
-            <a:r>
-              <a:rPr lang="en-US" dirty="0">
-                <a:solidFill>
-                  <a:srgbClr val="0B2B91"/>
-                </a:solidFill>
-                <a:latin typeface="Consolas" charset="0"/>
-                <a:ea typeface="Consolas" charset="0"/>
-                <a:cs typeface="Consolas" charset="0"/>
-              </a:rPr>
-              <a:t>   case 4: </a:t>
-            </a:r>
-            <a:r>
-              <a:rPr lang="en-US" dirty="0" err="1">
-                <a:solidFill>
-                  <a:srgbClr val="0B2B91"/>
-                </a:solidFill>
-                <a:latin typeface="Consolas" charset="0"/>
-                <a:ea typeface="Consolas" charset="0"/>
-                <a:cs typeface="Consolas" charset="0"/>
-              </a:rPr>
-              <a:t>printf</a:t>
-            </a:r>
-            <a:r>
-              <a:rPr lang="en-US" dirty="0">
-                <a:solidFill>
-                  <a:srgbClr val="0B2B91"/>
-                </a:solidFill>
-                <a:latin typeface="Consolas" charset="0"/>
-                <a:ea typeface="Consolas" charset="0"/>
-                <a:cs typeface="Consolas" charset="0"/>
-              </a:rPr>
-              <a:t>(“Thursday\n”);</a:t>
-            </a:r>
-          </a:p>
-          <a:p>
-            <a:r>
-              <a:rPr lang="en-US" dirty="0">
-                <a:solidFill>
-                  <a:srgbClr val="0B2B91"/>
-                </a:solidFill>
-                <a:latin typeface="Consolas" charset="0"/>
-                <a:ea typeface="Consolas" charset="0"/>
-                <a:cs typeface="Consolas" charset="0"/>
-              </a:rPr>
-              <a:t>                break;</a:t>
-            </a:r>
-          </a:p>
-          <a:p>
-            <a:r>
-              <a:rPr lang="en-US" dirty="0">
-                <a:solidFill>
-                  <a:srgbClr val="0B2B91"/>
-                </a:solidFill>
-                <a:latin typeface="Consolas" charset="0"/>
-                <a:ea typeface="Consolas" charset="0"/>
-                <a:cs typeface="Consolas" charset="0"/>
-              </a:rPr>
-              <a:t>   case 5: </a:t>
-            </a:r>
-            <a:r>
-              <a:rPr lang="en-US" dirty="0" err="1">
-                <a:solidFill>
-                  <a:srgbClr val="0B2B91"/>
-                </a:solidFill>
-                <a:latin typeface="Consolas" charset="0"/>
-                <a:ea typeface="Consolas" charset="0"/>
-                <a:cs typeface="Consolas" charset="0"/>
-              </a:rPr>
-              <a:t>printf</a:t>
-            </a:r>
-            <a:r>
-              <a:rPr lang="en-US" dirty="0">
-                <a:solidFill>
-                  <a:srgbClr val="0B2B91"/>
-                </a:solidFill>
-                <a:latin typeface="Consolas" charset="0"/>
-                <a:ea typeface="Consolas" charset="0"/>
-                <a:cs typeface="Consolas" charset="0"/>
-              </a:rPr>
-              <a:t>(“Friday\n”);</a:t>
-            </a:r>
-          </a:p>
-          <a:p>
-            <a:r>
-              <a:rPr lang="en-US" dirty="0">
-                <a:solidFill>
-                  <a:srgbClr val="0B2B91"/>
-                </a:solidFill>
-                <a:latin typeface="Consolas" charset="0"/>
-                <a:ea typeface="Consolas" charset="0"/>
-                <a:cs typeface="Consolas" charset="0"/>
-              </a:rPr>
-              <a:t>                break;</a:t>
-            </a:r>
-          </a:p>
-          <a:p>
-            <a:r>
-              <a:rPr lang="en-US" dirty="0">
-                <a:solidFill>
-                  <a:srgbClr val="0B2B91"/>
-                </a:solidFill>
-                <a:latin typeface="Consolas" charset="0"/>
-                <a:ea typeface="Consolas" charset="0"/>
-                <a:cs typeface="Consolas" charset="0"/>
-              </a:rPr>
-              <a:t>   case 6: </a:t>
-            </a:r>
-            <a:r>
-              <a:rPr lang="en-US" dirty="0" err="1">
-                <a:solidFill>
-                  <a:srgbClr val="0B2B91"/>
-                </a:solidFill>
-                <a:latin typeface="Consolas" charset="0"/>
-                <a:ea typeface="Consolas" charset="0"/>
-                <a:cs typeface="Consolas" charset="0"/>
-              </a:rPr>
-              <a:t>printf</a:t>
-            </a:r>
-            <a:r>
-              <a:rPr lang="en-US" dirty="0">
-                <a:solidFill>
-                  <a:srgbClr val="0B2B91"/>
-                </a:solidFill>
-                <a:latin typeface="Consolas" charset="0"/>
-                <a:ea typeface="Consolas" charset="0"/>
-                <a:cs typeface="Consolas" charset="0"/>
-              </a:rPr>
-              <a:t>(“Saturday\n”);</a:t>
-            </a:r>
-          </a:p>
-          <a:p>
-            <a:r>
-              <a:rPr lang="en-US" dirty="0">
-                <a:solidFill>
-                  <a:srgbClr val="0B2B91"/>
-                </a:solidFill>
-                <a:latin typeface="Consolas" charset="0"/>
-                <a:ea typeface="Consolas" charset="0"/>
-                <a:cs typeface="Consolas" charset="0"/>
-              </a:rPr>
-              <a:t>                break;</a:t>
-            </a:r>
-          </a:p>
-          <a:p>
-            <a:r>
-              <a:rPr lang="en-US" dirty="0">
-                <a:solidFill>
-                  <a:srgbClr val="0B2B91"/>
-                </a:solidFill>
-                <a:latin typeface="Consolas" charset="0"/>
-                <a:ea typeface="Consolas" charset="0"/>
-                <a:cs typeface="Consolas" charset="0"/>
-              </a:rPr>
-              <a:t>   case 7: </a:t>
-            </a:r>
-            <a:r>
-              <a:rPr lang="en-US" dirty="0" err="1">
-                <a:solidFill>
-                  <a:srgbClr val="0B2B91"/>
-                </a:solidFill>
-                <a:latin typeface="Consolas" charset="0"/>
-                <a:ea typeface="Consolas" charset="0"/>
-                <a:cs typeface="Consolas" charset="0"/>
-              </a:rPr>
-              <a:t>printf</a:t>
-            </a:r>
-            <a:r>
-              <a:rPr lang="en-US" dirty="0">
-                <a:solidFill>
-                  <a:srgbClr val="0B2B91"/>
-                </a:solidFill>
-                <a:latin typeface="Consolas" charset="0"/>
-                <a:ea typeface="Consolas" charset="0"/>
-                <a:cs typeface="Consolas" charset="0"/>
-              </a:rPr>
-              <a:t>(“Sunday\n”);</a:t>
-            </a:r>
-          </a:p>
-          <a:p>
-            <a:r>
-              <a:rPr lang="en-US" dirty="0">
-                <a:solidFill>
-                  <a:srgbClr val="0B2B91"/>
-                </a:solidFill>
-                <a:latin typeface="Consolas" charset="0"/>
-                <a:ea typeface="Consolas" charset="0"/>
-                <a:cs typeface="Consolas" charset="0"/>
-              </a:rPr>
-              <a:t>                break;</a:t>
-            </a:r>
-          </a:p>
-          <a:p>
-            <a:r>
-              <a:rPr lang="en-US" dirty="0">
-                <a:solidFill>
-                  <a:srgbClr val="0B2B91"/>
-                </a:solidFill>
-                <a:latin typeface="Consolas" charset="0"/>
-                <a:ea typeface="Consolas" charset="0"/>
-                <a:cs typeface="Consolas" charset="0"/>
-              </a:rPr>
-              <a:t>   default: </a:t>
-            </a:r>
-            <a:r>
-              <a:rPr lang="en-US" dirty="0" err="1">
-                <a:solidFill>
-                  <a:srgbClr val="0B2B91"/>
-                </a:solidFill>
-                <a:latin typeface="Consolas" charset="0"/>
-                <a:ea typeface="Consolas" charset="0"/>
-                <a:cs typeface="Consolas" charset="0"/>
-              </a:rPr>
-              <a:t>printf</a:t>
-            </a:r>
-            <a:r>
-              <a:rPr lang="en-US" dirty="0">
-                <a:solidFill>
-                  <a:srgbClr val="0B2B91"/>
-                </a:solidFill>
-                <a:latin typeface="Consolas" charset="0"/>
-                <a:ea typeface="Consolas" charset="0"/>
-                <a:cs typeface="Consolas" charset="0"/>
-              </a:rPr>
-              <a:t>(“???\n”);</a:t>
-            </a:r>
-          </a:p>
-          <a:p>
-            <a:r>
-              <a:rPr lang="en-US" dirty="0">
-                <a:solidFill>
-                  <a:srgbClr val="0B2B91"/>
-                </a:solidFill>
-                <a:latin typeface="Consolas" charset="0"/>
-                <a:ea typeface="Consolas" charset="0"/>
-                <a:cs typeface="Consolas" charset="0"/>
-              </a:rPr>
-              <a:t>                break;</a:t>
-            </a:r>
-          </a:p>
-          <a:p>
-            <a:r>
-              <a:rPr lang="en-US" dirty="0">
-                <a:solidFill>
-                  <a:srgbClr val="0B2B91"/>
-                </a:solidFill>
-                <a:latin typeface="Consolas" charset="0"/>
-                <a:ea typeface="Consolas" charset="0"/>
-                <a:cs typeface="Consolas" charset="0"/>
-              </a:rPr>
-              <a:t>}</a:t>
-            </a:r>
-          </a:p>
-        </p:txBody>
-      </p:sp>
     </p:spTree>
     <p:extLst>
       <p:ext uri="{BB962C8B-B14F-4D97-AF65-F5344CB8AC3E}">
-        <p14:creationId xmlns:p14="http://schemas.microsoft.com/office/powerpoint/2010/main" val="2461643154"/>
+        <p14:creationId xmlns:p14="http://schemas.microsoft.com/office/powerpoint/2010/main" val="466579850"/>
       </p:ext>
     </p:extLst>
   </p:cSld>
@@ -12871,7 +12442,12 @@
             <p:ph type="title"/>
           </p:nvPr>
         </p:nvSpPr>
-        <p:spPr/>
+        <p:spPr>
+          <a:xfrm>
+            <a:off x="228600" y="-457200"/>
+            <a:ext cx="7269480" cy="1325562"/>
+          </a:xfrm>
+        </p:spPr>
         <p:txBody>
           <a:bodyPr/>
           <a:lstStyle/>
@@ -12879,6 +12455,109 @@
             <a:r>
               <a:rPr lang="en-US" dirty="0"/>
               <a:t>Switch Statement</a:t>
+            </a:r>
+          </a:p>
+        </p:txBody>
+      </p:sp>
+      <p:sp>
+        <p:nvSpPr>
+          <p:cNvPr id="3" name="Content Placeholder 2"/>
+          <p:cNvSpPr>
+            <a:spLocks noGrp="1"/>
+          </p:cNvSpPr>
+          <p:nvPr>
+            <p:ph idx="1"/>
+          </p:nvPr>
+        </p:nvSpPr>
+        <p:spPr>
+          <a:xfrm>
+            <a:off x="4616493" y="1295401"/>
+            <a:ext cx="3797440" cy="4876800"/>
+          </a:xfrm>
+        </p:spPr>
+        <p:txBody>
+          <a:bodyPr>
+            <a:normAutofit/>
+          </a:bodyPr>
+          <a:lstStyle/>
+          <a:p>
+            <a:r>
+              <a:rPr lang="en-US" dirty="0"/>
+              <a:t>Switch must be followed by </a:t>
+            </a:r>
+            <a:r>
+              <a:rPr lang="en-US" dirty="0" err="1"/>
+              <a:t>int</a:t>
+            </a:r>
+            <a:r>
+              <a:rPr lang="en-US" dirty="0"/>
+              <a:t> (or char)</a:t>
+            </a:r>
+          </a:p>
+          <a:p>
+            <a:r>
+              <a:rPr lang="en-US" dirty="0"/>
+              <a:t>No braces after case label</a:t>
+            </a:r>
+          </a:p>
+          <a:p>
+            <a:r>
+              <a:rPr lang="en-US" dirty="0"/>
+              <a:t>Constant expressions:</a:t>
+            </a:r>
+          </a:p>
+          <a:p>
+            <a:pPr lvl="1"/>
+            <a:r>
+              <a:rPr lang="en-US" dirty="0"/>
+              <a:t>1, 4+3, </a:t>
+            </a:r>
+          </a:p>
+          <a:p>
+            <a:pPr lvl="1"/>
+            <a:r>
+              <a:rPr lang="en-US" dirty="0"/>
+              <a:t>x + 1: if x is defined by a constant macro: #define x 5</a:t>
+            </a:r>
+          </a:p>
+          <a:p>
+            <a:r>
+              <a:rPr lang="en-US" dirty="0"/>
+              <a:t>Duplicate labels not allowed</a:t>
+            </a:r>
+          </a:p>
+          <a:p>
+            <a:r>
+              <a:rPr lang="en-US" i="1" dirty="0">
+                <a:solidFill>
+                  <a:srgbClr val="C00000"/>
+                </a:solidFill>
+              </a:rPr>
+              <a:t>break</a:t>
+            </a:r>
+            <a:r>
+              <a:rPr lang="en-US" dirty="0"/>
+              <a:t>: exit the switch statement</a:t>
+            </a:r>
+          </a:p>
+          <a:p>
+            <a:r>
+              <a:rPr lang="en-US" i="1" dirty="0">
+                <a:solidFill>
+                  <a:srgbClr val="C00000"/>
+                </a:solidFill>
+              </a:rPr>
+              <a:t>default</a:t>
+            </a:r>
+            <a:r>
+              <a:rPr lang="en-US" dirty="0"/>
+              <a:t>: executed if no match</a:t>
+            </a:r>
+          </a:p>
+          <a:p>
+            <a:r>
+              <a:rPr lang="en-US" dirty="0"/>
+              <a:t>Can group case labels </a:t>
             </a:r>
           </a:p>
         </p:txBody>
@@ -12915,8 +12594,8 @@
         </p:nvSpPr>
         <p:spPr>
           <a:xfrm>
-            <a:off x="228600" y="1784390"/>
-            <a:ext cx="7848600" cy="3785652"/>
+            <a:off x="0" y="1274088"/>
+            <a:ext cx="4419600" cy="5078313"/>
           </a:xfrm>
           <a:prstGeom prst="rect">
             <a:avLst/>
@@ -12936,7 +12615,7 @@
           <a:lstStyle/>
           <a:p>
             <a:r>
-              <a:rPr lang="en-US" sz="2400" dirty="0">
+              <a:rPr lang="en-US" dirty="0">
                 <a:solidFill>
                   <a:srgbClr val="0B2B91"/>
                 </a:solidFill>
@@ -12949,31 +12628,18 @@
           </a:p>
           <a:p>
             <a:r>
-              <a:rPr lang="en-US" sz="2400" dirty="0">
-                <a:solidFill>
-                  <a:srgbClr val="0B2B91"/>
-                </a:solidFill>
-                <a:latin typeface="Consolas" charset="0"/>
-                <a:ea typeface="Consolas" charset="0"/>
-                <a:cs typeface="Consolas" charset="0"/>
-              </a:rPr>
-              <a:t>     case 1: case 2: case 3: case 4: case 5:</a:t>
-            </a:r>
-          </a:p>
-          <a:p>
-            <a:r>
-              <a:rPr lang="en-US" sz="2400" dirty="0">
-                <a:solidFill>
-                  <a:srgbClr val="0B2B91"/>
-                </a:solidFill>
-                <a:latin typeface="Consolas" charset="0"/>
-                <a:ea typeface="Consolas" charset="0"/>
-                <a:cs typeface="Consolas" charset="0"/>
-              </a:rPr>
-              <a:t>          </a:t>
-            </a:r>
-            <a:r>
-              <a:rPr lang="en-US" sz="2400" dirty="0" err="1">
+              <a:rPr lang="en-US" dirty="0">
+                <a:solidFill>
+                  <a:srgbClr val="0B2B91"/>
+                </a:solidFill>
+                <a:latin typeface="Consolas" charset="0"/>
+                <a:ea typeface="Consolas" charset="0"/>
+                <a:cs typeface="Consolas" charset="0"/>
+              </a:rPr>
+              <a:t>   case 1: </a:t>
+            </a:r>
+            <a:r>
+              <a:rPr lang="en-US" dirty="0" err="1">
                 <a:solidFill>
                   <a:srgbClr val="0B2B91"/>
                 </a:solidFill>
@@ -12984,57 +12650,44 @@
               <a:t>printf</a:t>
             </a:r>
             <a:r>
-              <a:rPr lang="en-US" sz="2400" dirty="0">
-                <a:solidFill>
-                  <a:srgbClr val="0B2B91"/>
-                </a:solidFill>
-                <a:latin typeface="Consolas" charset="0"/>
-                <a:ea typeface="Consolas" charset="0"/>
-                <a:cs typeface="Consolas" charset="0"/>
-              </a:rPr>
-              <a:t>(“Week day\n”);</a:t>
-            </a:r>
-          </a:p>
-          <a:p>
-            <a:r>
-              <a:rPr lang="en-US" sz="2400" dirty="0">
-                <a:solidFill>
-                  <a:srgbClr val="0B2B91"/>
-                </a:solidFill>
-                <a:latin typeface="Consolas" charset="0"/>
-                <a:ea typeface="Consolas" charset="0"/>
-                <a:cs typeface="Consolas" charset="0"/>
-              </a:rPr>
-              <a:t>          break;</a:t>
-            </a:r>
-          </a:p>
-          <a:p>
-            <a:r>
-              <a:rPr lang="en-US" sz="2400" dirty="0">
-                <a:solidFill>
-                  <a:srgbClr val="0B2B91"/>
-                </a:solidFill>
-                <a:latin typeface="Consolas" charset="0"/>
-                <a:ea typeface="Consolas" charset="0"/>
-                <a:cs typeface="Consolas" charset="0"/>
-              </a:rPr>
-              <a:t>     case 6: case 7:</a:t>
-            </a:r>
-          </a:p>
-          <a:p>
-            <a:r>
-              <a:rPr lang="en-US" sz="2400" dirty="0">
-                <a:solidFill>
-                  <a:srgbClr val="0B2B91"/>
-                </a:solidFill>
-                <a:latin typeface="Consolas" charset="0"/>
-                <a:ea typeface="Consolas" charset="0"/>
-                <a:cs typeface="Consolas" charset="0"/>
-              </a:rPr>
-              <a:t>          </a:t>
-            </a:r>
-            <a:r>
-              <a:rPr lang="en-US" sz="2400" dirty="0" err="1">
+              <a:rPr lang="en-US" dirty="0">
+                <a:solidFill>
+                  <a:srgbClr val="0B2B91"/>
+                </a:solidFill>
+                <a:latin typeface="Consolas" charset="0"/>
+                <a:ea typeface="Consolas" charset="0"/>
+                <a:cs typeface="Consolas" charset="0"/>
+              </a:rPr>
+              <a:t>(“Monday\n”);</a:t>
+            </a:r>
+          </a:p>
+          <a:p>
+            <a:r>
+              <a:rPr lang="en-US" dirty="0">
+                <a:solidFill>
+                  <a:srgbClr val="0B2B91"/>
+                </a:solidFill>
+                <a:latin typeface="Consolas" charset="0"/>
+                <a:ea typeface="Consolas" charset="0"/>
+                <a:cs typeface="Consolas" charset="0"/>
+              </a:rPr>
+              <a:t>                break;</a:t>
+            </a:r>
+          </a:p>
+          <a:p>
+            <a:r>
+              <a:rPr lang="en-US" dirty="0">
+                <a:solidFill>
+                  <a:srgbClr val="0B2B91"/>
+                </a:solidFill>
+                <a:latin typeface="Consolas" charset="0"/>
+                <a:ea typeface="Consolas" charset="0"/>
+                <a:cs typeface="Consolas" charset="0"/>
+              </a:rPr>
+              <a:t>   case 2: </a:t>
+            </a:r>
+            <a:r>
+              <a:rPr lang="en-US" dirty="0" err="1">
                 <a:solidFill>
                   <a:srgbClr val="0B2B91"/>
                 </a:solidFill>
@@ -13045,44 +12698,44 @@
               <a:t>printf</a:t>
             </a:r>
             <a:r>
-              <a:rPr lang="en-US" sz="2400" dirty="0">
-                <a:solidFill>
-                  <a:srgbClr val="0B2B91"/>
-                </a:solidFill>
-                <a:latin typeface="Consolas" charset="0"/>
-                <a:ea typeface="Consolas" charset="0"/>
-                <a:cs typeface="Consolas" charset="0"/>
-              </a:rPr>
-              <a:t>(“Weekend\n”);</a:t>
-            </a:r>
-          </a:p>
-          <a:p>
-            <a:r>
-              <a:rPr lang="en-US" sz="2400" dirty="0">
-                <a:solidFill>
-                  <a:srgbClr val="0B2B91"/>
-                </a:solidFill>
-                <a:latin typeface="Consolas" charset="0"/>
-                <a:ea typeface="Consolas" charset="0"/>
-                <a:cs typeface="Consolas" charset="0"/>
-              </a:rPr>
-              <a:t>          break;</a:t>
-            </a:r>
-          </a:p>
-          <a:p>
-            <a:r>
-              <a:rPr lang="en-US" sz="2400" dirty="0">
-                <a:solidFill>
-                  <a:srgbClr val="0B2B91"/>
-                </a:solidFill>
-                <a:latin typeface="Consolas" charset="0"/>
-                <a:ea typeface="Consolas" charset="0"/>
-                <a:cs typeface="Consolas" charset="0"/>
-              </a:rPr>
-              <a:t>     default: </a:t>
-            </a:r>
-            <a:r>
-              <a:rPr lang="en-US" sz="2400" dirty="0" err="1">
+              <a:rPr lang="en-US" dirty="0">
+                <a:solidFill>
+                  <a:srgbClr val="0B2B91"/>
+                </a:solidFill>
+                <a:latin typeface="Consolas" charset="0"/>
+                <a:ea typeface="Consolas" charset="0"/>
+                <a:cs typeface="Consolas" charset="0"/>
+              </a:rPr>
+              <a:t>(“Tuesday\n”);</a:t>
+            </a:r>
+          </a:p>
+          <a:p>
+            <a:r>
+              <a:rPr lang="en-US" dirty="0">
+                <a:solidFill>
+                  <a:srgbClr val="0B2B91"/>
+                </a:solidFill>
+                <a:latin typeface="Consolas" charset="0"/>
+                <a:ea typeface="Consolas" charset="0"/>
+                <a:cs typeface="Consolas" charset="0"/>
+              </a:rPr>
+              <a:t>                break;</a:t>
+            </a:r>
+          </a:p>
+          <a:p>
+            <a:r>
+              <a:rPr lang="en-US" dirty="0">
+                <a:solidFill>
+                  <a:srgbClr val="0B2B91"/>
+                </a:solidFill>
+                <a:latin typeface="Consolas" charset="0"/>
+                <a:ea typeface="Consolas" charset="0"/>
+                <a:cs typeface="Consolas" charset="0"/>
+              </a:rPr>
+              <a:t>   case 3: </a:t>
+            </a:r>
+            <a:r>
+              <a:rPr lang="en-US" dirty="0" err="1">
                 <a:solidFill>
                   <a:srgbClr val="0B2B91"/>
                 </a:solidFill>
@@ -13093,33 +12746,273 @@
               <a:t>printf</a:t>
             </a:r>
             <a:r>
-              <a:rPr lang="en-US" sz="2400" dirty="0">
-                <a:solidFill>
-                  <a:srgbClr val="0B2B91"/>
-                </a:solidFill>
-                <a:latin typeface="Consolas" charset="0"/>
-                <a:ea typeface="Consolas" charset="0"/>
-                <a:cs typeface="Consolas" charset="0"/>
-              </a:rPr>
-              <a:t>(“I don’t know\n”);</a:t>
-            </a:r>
-          </a:p>
-          <a:p>
-            <a:r>
-              <a:rPr lang="en-US" sz="2400" dirty="0">
-                <a:solidFill>
-                  <a:srgbClr val="0B2B91"/>
-                </a:solidFill>
-                <a:latin typeface="Consolas" charset="0"/>
-                <a:ea typeface="Consolas" charset="0"/>
-                <a:cs typeface="Consolas" charset="0"/>
-              </a:rPr>
-              <a:t>          break;</a:t>
-            </a:r>
-          </a:p>
-          <a:p>
-            <a:r>
-              <a:rPr lang="en-US" sz="2400" dirty="0">
+              <a:rPr lang="en-US" dirty="0">
+                <a:solidFill>
+                  <a:srgbClr val="0B2B91"/>
+                </a:solidFill>
+                <a:latin typeface="Consolas" charset="0"/>
+                <a:ea typeface="Consolas" charset="0"/>
+                <a:cs typeface="Consolas" charset="0"/>
+              </a:rPr>
+              <a:t>(“Wednesday\n”);</a:t>
+            </a:r>
+          </a:p>
+          <a:p>
+            <a:r>
+              <a:rPr lang="en-US" dirty="0">
+                <a:solidFill>
+                  <a:srgbClr val="0B2B91"/>
+                </a:solidFill>
+                <a:latin typeface="Consolas" charset="0"/>
+                <a:ea typeface="Consolas" charset="0"/>
+                <a:cs typeface="Consolas" charset="0"/>
+              </a:rPr>
+              <a:t>                break;</a:t>
+            </a:r>
+          </a:p>
+          <a:p>
+            <a:r>
+              <a:rPr lang="en-US" dirty="0">
+                <a:solidFill>
+                  <a:srgbClr val="0B2B91"/>
+                </a:solidFill>
+                <a:latin typeface="Consolas" charset="0"/>
+                <a:ea typeface="Consolas" charset="0"/>
+                <a:cs typeface="Consolas" charset="0"/>
+              </a:rPr>
+              <a:t>   case 4: </a:t>
+            </a:r>
+            <a:r>
+              <a:rPr lang="en-US" dirty="0" err="1">
+                <a:solidFill>
+                  <a:srgbClr val="0B2B91"/>
+                </a:solidFill>
+                <a:latin typeface="Consolas" charset="0"/>
+                <a:ea typeface="Consolas" charset="0"/>
+                <a:cs typeface="Consolas" charset="0"/>
+              </a:rPr>
+              <a:t>printf</a:t>
+            </a:r>
+            <a:r>
+              <a:rPr lang="en-US" dirty="0">
+                <a:solidFill>
+                  <a:srgbClr val="0B2B91"/>
+                </a:solidFill>
+                <a:latin typeface="Consolas" charset="0"/>
+                <a:ea typeface="Consolas" charset="0"/>
+                <a:cs typeface="Consolas" charset="0"/>
+              </a:rPr>
+              <a:t>(“Thursday\n”);</a:t>
+            </a:r>
+          </a:p>
+          <a:p>
+            <a:r>
+              <a:rPr lang="en-US" dirty="0">
+                <a:solidFill>
+                  <a:srgbClr val="0B2B91"/>
+                </a:solidFill>
+                <a:latin typeface="Consolas" charset="0"/>
+                <a:ea typeface="Consolas" charset="0"/>
+                <a:cs typeface="Consolas" charset="0"/>
+              </a:rPr>
+              <a:t>                break;</a:t>
+            </a:r>
+          </a:p>
+          <a:p>
+            <a:r>
+              <a:rPr lang="en-US" dirty="0">
+                <a:solidFill>
+                  <a:srgbClr val="0B2B91"/>
+                </a:solidFill>
+                <a:latin typeface="Consolas" charset="0"/>
+                <a:ea typeface="Consolas" charset="0"/>
+                <a:cs typeface="Consolas" charset="0"/>
+              </a:rPr>
+              <a:t>   case 5: </a:t>
+            </a:r>
+            <a:r>
+              <a:rPr lang="en-US" dirty="0" err="1">
+                <a:solidFill>
+                  <a:srgbClr val="0B2B91"/>
+                </a:solidFill>
+                <a:latin typeface="Consolas" charset="0"/>
+                <a:ea typeface="Consolas" charset="0"/>
+                <a:cs typeface="Consolas" charset="0"/>
+              </a:rPr>
+              <a:t>printf</a:t>
+            </a:r>
+            <a:r>
+              <a:rPr lang="en-US" dirty="0">
+                <a:solidFill>
+                  <a:srgbClr val="0B2B91"/>
+                </a:solidFill>
+                <a:latin typeface="Consolas" charset="0"/>
+                <a:ea typeface="Consolas" charset="0"/>
+                <a:cs typeface="Consolas" charset="0"/>
+              </a:rPr>
+              <a:t>(“Friday\n”);</a:t>
+            </a:r>
+          </a:p>
+          <a:p>
+            <a:r>
+              <a:rPr lang="en-US" dirty="0">
+                <a:solidFill>
+                  <a:srgbClr val="0B2B91"/>
+                </a:solidFill>
+                <a:latin typeface="Consolas" charset="0"/>
+                <a:ea typeface="Consolas" charset="0"/>
+                <a:cs typeface="Consolas" charset="0"/>
+              </a:rPr>
+              <a:t>                break;</a:t>
+            </a:r>
+          </a:p>
+          <a:p>
+            <a:r>
+              <a:rPr lang="en-US" dirty="0">
+                <a:solidFill>
+                  <a:srgbClr val="0B2B91"/>
+                </a:solidFill>
+                <a:latin typeface="Consolas" charset="0"/>
+                <a:ea typeface="Consolas" charset="0"/>
+                <a:cs typeface="Consolas" charset="0"/>
+              </a:rPr>
+              <a:t>   case 6: </a:t>
+            </a:r>
+            <a:r>
+              <a:rPr lang="en-US" dirty="0" err="1">
+                <a:solidFill>
+                  <a:srgbClr val="0B2B91"/>
+                </a:solidFill>
+                <a:latin typeface="Consolas" charset="0"/>
+                <a:ea typeface="Consolas" charset="0"/>
+                <a:cs typeface="Consolas" charset="0"/>
+              </a:rPr>
+              <a:t>printf</a:t>
+            </a:r>
+            <a:r>
+              <a:rPr lang="en-US" dirty="0">
+                <a:solidFill>
+                  <a:srgbClr val="0B2B91"/>
+                </a:solidFill>
+                <a:latin typeface="Consolas" charset="0"/>
+                <a:ea typeface="Consolas" charset="0"/>
+                <a:cs typeface="Consolas" charset="0"/>
+              </a:rPr>
+              <a:t>(“Saturday\n”);</a:t>
+            </a:r>
+          </a:p>
+          <a:p>
+            <a:r>
+              <a:rPr lang="en-US" dirty="0">
+                <a:solidFill>
+                  <a:srgbClr val="0B2B91"/>
+                </a:solidFill>
+                <a:latin typeface="Consolas" charset="0"/>
+                <a:ea typeface="Consolas" charset="0"/>
+                <a:cs typeface="Consolas" charset="0"/>
+              </a:rPr>
+              <a:t>                break;</a:t>
+            </a:r>
+          </a:p>
+          <a:p>
+            <a:r>
+              <a:rPr lang="en-US" dirty="0">
+                <a:solidFill>
+                  <a:srgbClr val="0B2B91"/>
+                </a:solidFill>
+                <a:latin typeface="Consolas" charset="0"/>
+                <a:ea typeface="Consolas" charset="0"/>
+                <a:cs typeface="Consolas" charset="0"/>
+              </a:rPr>
+              <a:t>   case 7: </a:t>
+            </a:r>
+            <a:r>
+              <a:rPr lang="en-US" dirty="0" err="1">
+                <a:solidFill>
+                  <a:srgbClr val="0B2B91"/>
+                </a:solidFill>
+                <a:latin typeface="Consolas" charset="0"/>
+                <a:ea typeface="Consolas" charset="0"/>
+                <a:cs typeface="Consolas" charset="0"/>
+              </a:rPr>
+              <a:t>printf</a:t>
+            </a:r>
+            <a:r>
+              <a:rPr lang="en-US" dirty="0">
+                <a:solidFill>
+                  <a:srgbClr val="0B2B91"/>
+                </a:solidFill>
+                <a:latin typeface="Consolas" charset="0"/>
+                <a:ea typeface="Consolas" charset="0"/>
+                <a:cs typeface="Consolas" charset="0"/>
+              </a:rPr>
+              <a:t>(“Sunday\n”);</a:t>
+            </a:r>
+          </a:p>
+          <a:p>
+            <a:r>
+              <a:rPr lang="en-US" dirty="0">
+                <a:solidFill>
+                  <a:srgbClr val="0B2B91"/>
+                </a:solidFill>
+                <a:latin typeface="Consolas" charset="0"/>
+                <a:ea typeface="Consolas" charset="0"/>
+                <a:cs typeface="Consolas" charset="0"/>
+              </a:rPr>
+              <a:t>                break;</a:t>
+            </a:r>
+          </a:p>
+          <a:p>
+            <a:r>
+              <a:rPr lang="en-US" dirty="0">
+                <a:solidFill>
+                  <a:srgbClr val="0B2B91"/>
+                </a:solidFill>
+                <a:latin typeface="Consolas" charset="0"/>
+                <a:ea typeface="Consolas" charset="0"/>
+                <a:cs typeface="Consolas" charset="0"/>
+              </a:rPr>
+              <a:t>   default: </a:t>
+            </a:r>
+            <a:r>
+              <a:rPr lang="en-US" dirty="0" err="1">
+                <a:solidFill>
+                  <a:srgbClr val="0B2B91"/>
+                </a:solidFill>
+                <a:latin typeface="Consolas" charset="0"/>
+                <a:ea typeface="Consolas" charset="0"/>
+                <a:cs typeface="Consolas" charset="0"/>
+              </a:rPr>
+              <a:t>printf</a:t>
+            </a:r>
+            <a:r>
+              <a:rPr lang="en-US" dirty="0">
+                <a:solidFill>
+                  <a:srgbClr val="0B2B91"/>
+                </a:solidFill>
+                <a:latin typeface="Consolas" charset="0"/>
+                <a:ea typeface="Consolas" charset="0"/>
+                <a:cs typeface="Consolas" charset="0"/>
+              </a:rPr>
+              <a:t>(“???\n”);</a:t>
+            </a:r>
+          </a:p>
+          <a:p>
+            <a:r>
+              <a:rPr lang="en-US" dirty="0">
+                <a:solidFill>
+                  <a:srgbClr val="0B2B91"/>
+                </a:solidFill>
+                <a:latin typeface="Consolas" charset="0"/>
+                <a:ea typeface="Consolas" charset="0"/>
+                <a:cs typeface="Consolas" charset="0"/>
+              </a:rPr>
+              <a:t>                break;</a:t>
+            </a:r>
+          </a:p>
+          <a:p>
+            <a:r>
+              <a:rPr lang="en-US" dirty="0">
                 <a:solidFill>
                   <a:srgbClr val="0B2B91"/>
                 </a:solidFill>
@@ -13129,21 +13022,13 @@
               </a:rPr>
               <a:t>}</a:t>
             </a:r>
-            <a:endParaRPr lang="en-US" sz="1900" dirty="0">
-              <a:solidFill>
-                <a:srgbClr val="0B2B91"/>
-              </a:solidFill>
-              <a:latin typeface="Consolas" charset="0"/>
-              <a:ea typeface="Consolas" charset="0"/>
-              <a:cs typeface="Consolas" charset="0"/>
-            </a:endParaRPr>
           </a:p>
         </p:txBody>
       </p:sp>
     </p:spTree>
     <p:extLst>
       <p:ext uri="{BB962C8B-B14F-4D97-AF65-F5344CB8AC3E}">
-        <p14:creationId xmlns:p14="http://schemas.microsoft.com/office/powerpoint/2010/main" val="3777183662"/>
+        <p14:creationId xmlns:p14="http://schemas.microsoft.com/office/powerpoint/2010/main" val="2461643154"/>
       </p:ext>
     </p:extLst>
   </p:cSld>
@@ -13172,46 +13057,6 @@
       </p:grpSpPr>
       <p:sp>
         <p:nvSpPr>
-          <p:cNvPr id="7" name="Rectangle 6"/>
-          <p:cNvSpPr/>
-          <p:nvPr/>
-        </p:nvSpPr>
-        <p:spPr>
-          <a:xfrm>
-            <a:off x="16790" y="-22332"/>
-            <a:ext cx="8441055" cy="6858000"/>
-          </a:xfrm>
-          <a:prstGeom prst="rect">
-            <a:avLst/>
-          </a:prstGeom>
-        </p:spPr>
-        <p:style>
-          <a:lnRef idx="2">
-            <a:schemeClr val="accent1">
-              <a:shade val="50000"/>
-            </a:schemeClr>
-          </a:lnRef>
-          <a:fillRef idx="1">
-            <a:schemeClr val="accent1"/>
-          </a:fillRef>
-          <a:effectRef idx="0">
-            <a:schemeClr val="accent1"/>
-          </a:effectRef>
-          <a:fontRef idx="minor">
-            <a:schemeClr val="lt1"/>
-          </a:fontRef>
-        </p:style>
-        <p:txBody>
-          <a:bodyPr rtlCol="0" anchor="ctr"/>
-          <a:lstStyle/>
-          <a:p>
-            <a:pPr algn="ctr"/>
-            <a:endParaRPr lang="en-US"/>
-          </a:p>
-        </p:txBody>
-      </p:sp>
-      <p:sp>
-        <p:nvSpPr>
           <p:cNvPr id="2" name="Title 1"/>
           <p:cNvSpPr>
             <a:spLocks noGrp="1"/>
@@ -13234,133 +13079,6 @@
       </p:sp>
       <p:sp>
         <p:nvSpPr>
-          <p:cNvPr id="5" name="Content Placeholder 4"/>
-          <p:cNvSpPr>
-            <a:spLocks noGrp="1"/>
-          </p:cNvSpPr>
-          <p:nvPr>
-            <p:ph idx="1"/>
-          </p:nvPr>
-        </p:nvSpPr>
-        <p:spPr/>
-        <p:txBody>
-          <a:bodyPr>
-            <a:normAutofit fontScale="40000" lnSpcReduction="20000"/>
-          </a:bodyPr>
-          <a:lstStyle/>
-          <a:p>
-            <a:endParaRPr lang="en-US" dirty="0"/>
-          </a:p>
-          <a:p>
-            <a:endParaRPr lang="en-US" dirty="0"/>
-          </a:p>
-          <a:p>
-            <a:endParaRPr lang="en-US" dirty="0"/>
-          </a:p>
-          <a:p>
-            <a:endParaRPr lang="en-US" dirty="0"/>
-          </a:p>
-          <a:p>
-            <a:endParaRPr lang="en-US" dirty="0"/>
-          </a:p>
-          <a:p>
-            <a:endParaRPr lang="en-US" dirty="0"/>
-          </a:p>
-          <a:p>
-            <a:endParaRPr lang="en-US" dirty="0"/>
-          </a:p>
-          <a:p>
-            <a:endParaRPr lang="en-US" dirty="0"/>
-          </a:p>
-          <a:p>
-            <a:pPr marL="0" indent="0">
-              <a:buNone/>
-            </a:pPr>
-            <a:r>
-              <a:rPr lang="en-US" sz="5000" dirty="0">
-                <a:solidFill>
-                  <a:schemeClr val="bg1"/>
-                </a:solidFill>
-              </a:rPr>
-              <a:t>If day is 3, output is?</a:t>
-            </a:r>
-          </a:p>
-          <a:p>
-            <a:pPr marL="0" indent="0">
-              <a:buNone/>
-            </a:pPr>
-            <a:r>
-              <a:rPr lang="en-US" sz="5000" dirty="0">
-                <a:solidFill>
-                  <a:srgbClr val="0CFA02"/>
-                </a:solidFill>
-                <a:latin typeface="Consolas" charset="0"/>
-                <a:ea typeface="Consolas" charset="0"/>
-                <a:cs typeface="Consolas" charset="0"/>
-              </a:rPr>
-              <a:t>Nothing </a:t>
-            </a:r>
-          </a:p>
-          <a:p>
-            <a:pPr marL="0" indent="0">
-              <a:buNone/>
-            </a:pPr>
-            <a:r>
-              <a:rPr lang="en-US" sz="5000" dirty="0">
-                <a:solidFill>
-                  <a:srgbClr val="FFFF00"/>
-                </a:solidFill>
-                <a:latin typeface="Consolas" charset="0"/>
-                <a:ea typeface="Consolas" charset="0"/>
-                <a:cs typeface="Consolas" charset="0"/>
-              </a:rPr>
-              <a:t>Weekend</a:t>
-            </a:r>
-            <a:r>
-              <a:rPr lang="en-US" sz="5000" dirty="0">
-                <a:latin typeface="Consolas" charset="0"/>
-                <a:ea typeface="Consolas" charset="0"/>
-                <a:cs typeface="Consolas" charset="0"/>
-              </a:rPr>
-              <a:t>  </a:t>
-            </a:r>
-          </a:p>
-          <a:p>
-            <a:pPr marL="0" indent="0">
-              <a:buNone/>
-            </a:pPr>
-            <a:r>
-              <a:rPr lang="en-US" sz="5000" dirty="0">
-                <a:solidFill>
-                  <a:srgbClr val="F5A007"/>
-                </a:solidFill>
-                <a:latin typeface="Consolas" charset="0"/>
-                <a:ea typeface="Consolas" charset="0"/>
-                <a:cs typeface="Consolas" charset="0"/>
-              </a:rPr>
-              <a:t>Week Day </a:t>
-            </a:r>
-          </a:p>
-          <a:p>
-            <a:pPr marL="0" indent="0">
-              <a:buNone/>
-            </a:pPr>
-            <a:r>
-              <a:rPr lang="en-US" sz="5000" dirty="0">
-                <a:solidFill>
-                  <a:srgbClr val="F21AF1"/>
-                </a:solidFill>
-                <a:latin typeface="Consolas" charset="0"/>
-                <a:ea typeface="Consolas" charset="0"/>
-                <a:cs typeface="Consolas" charset="0"/>
-              </a:rPr>
-              <a:t>I don't know</a:t>
-            </a:r>
-          </a:p>
-        </p:txBody>
-      </p:sp>
-      <p:sp>
-        <p:nvSpPr>
           <p:cNvPr id="12" name="Slide Number Placeholder 11"/>
           <p:cNvSpPr>
             <a:spLocks noGrp="1"/>
@@ -13391,8 +13109,8 @@
         </p:nvSpPr>
         <p:spPr>
           <a:xfrm>
-            <a:off x="381000" y="1594753"/>
-            <a:ext cx="7391400" cy="2246769"/>
+            <a:off x="228600" y="1784390"/>
+            <a:ext cx="7848600" cy="3785652"/>
           </a:xfrm>
           <a:prstGeom prst="rect">
             <a:avLst/>
@@ -13412,9 +13130,9 @@
           <a:lstStyle/>
           <a:p>
             <a:r>
-              <a:rPr lang="en-US" sz="2000" dirty="0">
-                <a:solidFill>
-                  <a:schemeClr val="bg1"/>
+              <a:rPr lang="en-US" sz="2400" dirty="0">
+                <a:solidFill>
+                  <a:srgbClr val="0B2B91"/>
                 </a:solidFill>
                 <a:latin typeface="Consolas" charset="0"/>
                 <a:ea typeface="Consolas" charset="0"/>
@@ -13425,9 +13143,9 @@
           </a:p>
           <a:p>
             <a:r>
-              <a:rPr lang="en-US" sz="2000" dirty="0">
-                <a:solidFill>
-                  <a:schemeClr val="bg1"/>
+              <a:rPr lang="en-US" sz="2400" dirty="0">
+                <a:solidFill>
+                  <a:srgbClr val="0B2B91"/>
                 </a:solidFill>
                 <a:latin typeface="Consolas" charset="0"/>
                 <a:ea typeface="Consolas" charset="0"/>
@@ -13438,9 +13156,9 @@
           </a:p>
           <a:p>
             <a:r>
-              <a:rPr lang="en-US" sz="2000" dirty="0">
-                <a:solidFill>
-                  <a:schemeClr val="bg1"/>
+              <a:rPr lang="en-US" sz="2400" dirty="0">
+                <a:solidFill>
+                  <a:srgbClr val="0B2B91"/>
                 </a:solidFill>
                 <a:latin typeface="Consolas" charset="0"/>
                 <a:ea typeface="Consolas" charset="0"/>
@@ -13449,9 +13167,9 @@
               <a:t>          </a:t>
             </a:r>
             <a:r>
-              <a:rPr lang="en-US" sz="2000" dirty="0" err="1">
-                <a:solidFill>
-                  <a:schemeClr val="bg1"/>
+              <a:rPr lang="en-US" sz="2400" dirty="0" err="1">
+                <a:solidFill>
+                  <a:srgbClr val="0B2B91"/>
                 </a:solidFill>
                 <a:latin typeface="Consolas" charset="0"/>
                 <a:ea typeface="Consolas" charset="0"/>
@@ -13460,22 +13178,35 @@
               <a:t>printf</a:t>
             </a:r>
             <a:r>
-              <a:rPr lang="en-US" sz="2000" dirty="0">
-                <a:solidFill>
-                  <a:schemeClr val="bg1"/>
-                </a:solidFill>
-                <a:latin typeface="Consolas" charset="0"/>
-                <a:ea typeface="Consolas" charset="0"/>
-                <a:cs typeface="Consolas" charset="0"/>
-              </a:rPr>
-              <a:t>(“Week day\t”);</a:t>
-            </a:r>
-          </a:p>
-          <a:p>
-            <a:r>
-              <a:rPr lang="en-US" sz="2000" dirty="0">
-                <a:solidFill>
-                  <a:schemeClr val="bg1"/>
+              <a:rPr lang="en-US" sz="2400" dirty="0">
+                <a:solidFill>
+                  <a:srgbClr val="0B2B91"/>
+                </a:solidFill>
+                <a:latin typeface="Consolas" charset="0"/>
+                <a:ea typeface="Consolas" charset="0"/>
+                <a:cs typeface="Consolas" charset="0"/>
+              </a:rPr>
+              <a:t>(“Week day\n”);</a:t>
+            </a:r>
+          </a:p>
+          <a:p>
+            <a:r>
+              <a:rPr lang="en-US" sz="2400" dirty="0">
+                <a:solidFill>
+                  <a:srgbClr val="0B2B91"/>
+                </a:solidFill>
+                <a:latin typeface="Consolas" charset="0"/>
+                <a:ea typeface="Consolas" charset="0"/>
+                <a:cs typeface="Consolas" charset="0"/>
+              </a:rPr>
+              <a:t>          break;</a:t>
+            </a:r>
+          </a:p>
+          <a:p>
+            <a:r>
+              <a:rPr lang="en-US" sz="2400" dirty="0">
+                <a:solidFill>
+                  <a:srgbClr val="0B2B91"/>
                 </a:solidFill>
                 <a:latin typeface="Consolas" charset="0"/>
                 <a:ea typeface="Consolas" charset="0"/>
@@ -13486,9 +13217,9 @@
           </a:p>
           <a:p>
             <a:r>
-              <a:rPr lang="en-US" sz="2000" dirty="0">
-                <a:solidFill>
-                  <a:schemeClr val="bg1"/>
+              <a:rPr lang="en-US" sz="2400" dirty="0">
+                <a:solidFill>
+                  <a:srgbClr val="0B2B91"/>
                 </a:solidFill>
                 <a:latin typeface="Consolas" charset="0"/>
                 <a:ea typeface="Consolas" charset="0"/>
@@ -13497,9 +13228,9 @@
               <a:t>          </a:t>
             </a:r>
             <a:r>
-              <a:rPr lang="en-US" sz="2000" dirty="0" err="1">
-                <a:solidFill>
-                  <a:schemeClr val="bg1"/>
+              <a:rPr lang="en-US" sz="2400" dirty="0" err="1">
+                <a:solidFill>
+                  <a:srgbClr val="0B2B91"/>
                 </a:solidFill>
                 <a:latin typeface="Consolas" charset="0"/>
                 <a:ea typeface="Consolas" charset="0"/>
@@ -13508,22 +13239,35 @@
               <a:t>printf</a:t>
             </a:r>
             <a:r>
-              <a:rPr lang="en-US" sz="2000" dirty="0">
-                <a:solidFill>
-                  <a:schemeClr val="bg1"/>
-                </a:solidFill>
-                <a:latin typeface="Consolas" charset="0"/>
-                <a:ea typeface="Consolas" charset="0"/>
-                <a:cs typeface="Consolas" charset="0"/>
-              </a:rPr>
-              <a:t>(“Weekend\t”);</a:t>
-            </a:r>
-          </a:p>
-          <a:p>
-            <a:r>
-              <a:rPr lang="en-US" sz="2000" dirty="0">
-                <a:solidFill>
-                  <a:schemeClr val="bg1"/>
+              <a:rPr lang="en-US" sz="2400" dirty="0">
+                <a:solidFill>
+                  <a:srgbClr val="0B2B91"/>
+                </a:solidFill>
+                <a:latin typeface="Consolas" charset="0"/>
+                <a:ea typeface="Consolas" charset="0"/>
+                <a:cs typeface="Consolas" charset="0"/>
+              </a:rPr>
+              <a:t>(“Weekend\n”);</a:t>
+            </a:r>
+          </a:p>
+          <a:p>
+            <a:r>
+              <a:rPr lang="en-US" sz="2400" dirty="0">
+                <a:solidFill>
+                  <a:srgbClr val="0B2B91"/>
+                </a:solidFill>
+                <a:latin typeface="Consolas" charset="0"/>
+                <a:ea typeface="Consolas" charset="0"/>
+                <a:cs typeface="Consolas" charset="0"/>
+              </a:rPr>
+              <a:t>          break;</a:t>
+            </a:r>
+          </a:p>
+          <a:p>
+            <a:r>
+              <a:rPr lang="en-US" sz="2400" dirty="0">
+                <a:solidFill>
+                  <a:srgbClr val="0B2B91"/>
                 </a:solidFill>
                 <a:latin typeface="Consolas" charset="0"/>
                 <a:ea typeface="Consolas" charset="0"/>
@@ -13532,9 +13276,9 @@
               <a:t>     default: </a:t>
             </a:r>
             <a:r>
-              <a:rPr lang="en-US" sz="2000" dirty="0" err="1">
-                <a:solidFill>
-                  <a:schemeClr val="bg1"/>
+              <a:rPr lang="en-US" sz="2400" dirty="0" err="1">
+                <a:solidFill>
+                  <a:srgbClr val="0B2B91"/>
                 </a:solidFill>
                 <a:latin typeface="Consolas" charset="0"/>
                 <a:ea typeface="Consolas" charset="0"/>
@@ -13543,22 +13287,35 @@
               <a:t>printf</a:t>
             </a:r>
             <a:r>
-              <a:rPr lang="en-US" sz="2000" dirty="0">
-                <a:solidFill>
-                  <a:schemeClr val="bg1"/>
-                </a:solidFill>
-                <a:latin typeface="Consolas" charset="0"/>
-                <a:ea typeface="Consolas" charset="0"/>
-                <a:cs typeface="Consolas" charset="0"/>
-              </a:rPr>
-              <a:t>(“I don’t know\t”);</a:t>
-            </a:r>
-          </a:p>
-          <a:p>
-            <a:r>
-              <a:rPr lang="en-US" sz="2000" dirty="0">
-                <a:solidFill>
-                  <a:schemeClr val="bg1"/>
+              <a:rPr lang="en-US" sz="2400" dirty="0">
+                <a:solidFill>
+                  <a:srgbClr val="0B2B91"/>
+                </a:solidFill>
+                <a:latin typeface="Consolas" charset="0"/>
+                <a:ea typeface="Consolas" charset="0"/>
+                <a:cs typeface="Consolas" charset="0"/>
+              </a:rPr>
+              <a:t>(“I don’t know\n”);</a:t>
+            </a:r>
+          </a:p>
+          <a:p>
+            <a:r>
+              <a:rPr lang="en-US" sz="2400" dirty="0">
+                <a:solidFill>
+                  <a:srgbClr val="0B2B91"/>
+                </a:solidFill>
+                <a:latin typeface="Consolas" charset="0"/>
+                <a:ea typeface="Consolas" charset="0"/>
+                <a:cs typeface="Consolas" charset="0"/>
+              </a:rPr>
+              <a:t>          break;</a:t>
+            </a:r>
+          </a:p>
+          <a:p>
+            <a:r>
+              <a:rPr lang="en-US" sz="2400" dirty="0">
+                <a:solidFill>
+                  <a:srgbClr val="0B2B91"/>
                 </a:solidFill>
                 <a:latin typeface="Consolas" charset="0"/>
                 <a:ea typeface="Consolas" charset="0"/>
@@ -13566,13 +13323,21 @@
               </a:rPr>
               <a:t>}</a:t>
             </a:r>
+            <a:endParaRPr lang="en-US" sz="1900" dirty="0">
+              <a:solidFill>
+                <a:srgbClr val="0B2B91"/>
+              </a:solidFill>
+              <a:latin typeface="Consolas" charset="0"/>
+              <a:ea typeface="Consolas" charset="0"/>
+              <a:cs typeface="Consolas" charset="0"/>
+            </a:endParaRPr>
           </a:p>
         </p:txBody>
       </p:sp>
     </p:spTree>
     <p:extLst>
       <p:ext uri="{BB962C8B-B14F-4D97-AF65-F5344CB8AC3E}">
-        <p14:creationId xmlns:p14="http://schemas.microsoft.com/office/powerpoint/2010/main" val="511353974"/>
+        <p14:creationId xmlns:p14="http://schemas.microsoft.com/office/powerpoint/2010/main" val="3777183662"/>
       </p:ext>
     </p:extLst>
   </p:cSld>
@@ -13607,7 +13372,7 @@
         </p:nvSpPr>
         <p:spPr>
           <a:xfrm>
-            <a:off x="0" y="0"/>
+            <a:off x="16790" y="-22332"/>
             <a:ext cx="8441055" cy="6858000"/>
           </a:xfrm>
           <a:prstGeom prst="rect">
@@ -13711,7 +13476,7 @@
                   <a:schemeClr val="bg1"/>
                 </a:solidFill>
               </a:rPr>
-              <a:t>If day is 6, output is?</a:t>
+              <a:t>If day is 3, output is?</a:t>
             </a:r>
           </a:p>
           <a:p>
@@ -13862,29 +13627,7 @@
                 <a:ea typeface="Consolas" charset="0"/>
                 <a:cs typeface="Consolas" charset="0"/>
               </a:rPr>
-              <a:t>     case 1: case 2</a:t>
-            </a:r>
-            <a:r>
-              <a:rPr lang="en-US" sz="2000">
-                <a:solidFill>
-                  <a:schemeClr val="bg1"/>
-                </a:solidFill>
-                <a:latin typeface="Consolas" charset="0"/>
-                <a:ea typeface="Consolas" charset="0"/>
-                <a:cs typeface="Consolas" charset="0"/>
-              </a:rPr>
-              <a:t>: case 3</a:t>
-            </a:r>
-            <a:r>
-              <a:rPr lang="en-US" sz="2000" dirty="0">
-                <a:solidFill>
-                  <a:schemeClr val="bg1"/>
-                </a:solidFill>
-                <a:latin typeface="Consolas" charset="0"/>
-                <a:ea typeface="Consolas" charset="0"/>
-                <a:cs typeface="Consolas" charset="0"/>
-              </a:rPr>
-              <a:t>: case 4: case 5:</a:t>
+              <a:t>     case 1: case 2: case 3: case 4: case 5:</a:t>
             </a:r>
           </a:p>
           <a:p>
@@ -14023,7 +13766,7 @@
     </p:spTree>
     <p:extLst>
       <p:ext uri="{BB962C8B-B14F-4D97-AF65-F5344CB8AC3E}">
-        <p14:creationId xmlns:p14="http://schemas.microsoft.com/office/powerpoint/2010/main" val="1945988420"/>
+        <p14:creationId xmlns:p14="http://schemas.microsoft.com/office/powerpoint/2010/main" val="511353974"/>
       </p:ext>
     </p:extLst>
   </p:cSld>
@@ -14241,6 +13984,46 @@
       </p:grpSpPr>
       <p:sp>
         <p:nvSpPr>
+          <p:cNvPr id="7" name="Rectangle 6"/>
+          <p:cNvSpPr/>
+          <p:nvPr/>
+        </p:nvSpPr>
+        <p:spPr>
+          <a:xfrm>
+            <a:off x="0" y="0"/>
+            <a:ext cx="8441055" cy="6858000"/>
+          </a:xfrm>
+          <a:prstGeom prst="rect">
+            <a:avLst/>
+          </a:prstGeom>
+        </p:spPr>
+        <p:style>
+          <a:lnRef idx="2">
+            <a:schemeClr val="accent1">
+              <a:shade val="50000"/>
+            </a:schemeClr>
+          </a:lnRef>
+          <a:fillRef idx="1">
+            <a:schemeClr val="accent1"/>
+          </a:fillRef>
+          <a:effectRef idx="0">
+            <a:schemeClr val="accent1"/>
+          </a:effectRef>
+          <a:fontRef idx="minor">
+            <a:schemeClr val="lt1"/>
+          </a:fontRef>
+        </p:style>
+        <p:txBody>
+          <a:bodyPr rtlCol="0" anchor="ctr"/>
+          <a:lstStyle/>
+          <a:p>
+            <a:pPr algn="ctr"/>
+            <a:endParaRPr lang="en-US"/>
+          </a:p>
+        </p:txBody>
+      </p:sp>
+      <p:sp>
+        <p:nvSpPr>
           <p:cNvPr id="2" name="Title 1"/>
           <p:cNvSpPr>
             <a:spLocks noGrp="1"/>
@@ -14256,14 +14039,14 @@
           <a:p>
             <a:r>
               <a:rPr lang="en-US" dirty="0"/>
-              <a:t>Pitfalls</a:t>
-            </a:r>
-          </a:p>
-        </p:txBody>
-      </p:sp>
-      <p:sp>
-        <p:nvSpPr>
-          <p:cNvPr id="3" name="Content Placeholder 2"/>
+              <a:t>Switch Statement</a:t>
+            </a:r>
+          </a:p>
+        </p:txBody>
+      </p:sp>
+      <p:sp>
+        <p:nvSpPr>
+          <p:cNvPr id="5" name="Content Placeholder 4"/>
           <p:cNvSpPr>
             <a:spLocks noGrp="1"/>
           </p:cNvSpPr>
@@ -14274,54 +14057,44 @@
         <p:spPr/>
         <p:txBody>
           <a:bodyPr>
-            <a:normAutofit/>
+            <a:normAutofit fontScale="40000" lnSpcReduction="20000"/>
           </a:bodyPr>
           <a:lstStyle/>
           <a:p>
-            <a:r>
-              <a:rPr lang="en-US" dirty="0"/>
-              <a:t>Lazy execution:</a:t>
-            </a:r>
+            <a:endParaRPr lang="en-US" dirty="0"/>
+          </a:p>
+          <a:p>
+            <a:endParaRPr lang="en-US" dirty="0"/>
+          </a:p>
+          <a:p>
+            <a:endParaRPr lang="en-US" dirty="0"/>
+          </a:p>
+          <a:p>
+            <a:endParaRPr lang="en-US" dirty="0"/>
+          </a:p>
+          <a:p>
+            <a:endParaRPr lang="en-US" dirty="0"/>
+          </a:p>
+          <a:p>
+            <a:endParaRPr lang="en-US" dirty="0"/>
+          </a:p>
+          <a:p>
+            <a:endParaRPr lang="en-US" dirty="0"/>
+          </a:p>
+          <a:p>
+            <a:endParaRPr lang="en-US" dirty="0"/>
           </a:p>
           <a:p>
             <a:pPr marL="0" indent="0">
               <a:buNone/>
             </a:pPr>
             <a:r>
-              <a:rPr lang="en-US" dirty="0">
-                <a:latin typeface="Consolas" charset="0"/>
-                <a:ea typeface="Consolas" charset="0"/>
-                <a:cs typeface="Consolas" charset="0"/>
-              </a:rPr>
-              <a:t>	</a:t>
-            </a:r>
-            <a:r>
-              <a:rPr lang="en-US" dirty="0" err="1">
-                <a:solidFill>
-                  <a:srgbClr val="0B2B91"/>
-                </a:solidFill>
-                <a:latin typeface="Consolas" charset="0"/>
-                <a:ea typeface="Consolas" charset="0"/>
-                <a:cs typeface="Consolas" charset="0"/>
-              </a:rPr>
-              <a:t>i</a:t>
-            </a:r>
-            <a:r>
-              <a:rPr lang="en-US" dirty="0">
-                <a:solidFill>
-                  <a:srgbClr val="0B2B91"/>
-                </a:solidFill>
-                <a:latin typeface="Consolas" charset="0"/>
-                <a:ea typeface="Consolas" charset="0"/>
-                <a:cs typeface="Consolas" charset="0"/>
-              </a:rPr>
-              <a:t> &gt; 20 &amp;&amp; j++ &lt; 5</a:t>
-            </a:r>
-          </a:p>
-          <a:p>
-            <a:r>
-              <a:rPr lang="en-US" dirty="0"/>
-              <a:t>Using assignment op:</a:t>
+              <a:rPr lang="en-US" sz="5000" dirty="0">
+                <a:solidFill>
+                  <a:schemeClr val="bg1"/>
+                </a:solidFill>
+              </a:rPr>
+              <a:t>If day is 6, output is?</a:t>
             </a:r>
           </a:p>
           <a:p>
@@ -14329,107 +14102,71 @@
               <a:buNone/>
             </a:pPr>
             <a:r>
-              <a:rPr lang="en-US" dirty="0"/>
-              <a:t>	</a:t>
-            </a:r>
-            <a:r>
-              <a:rPr lang="en-US" sz="2000" dirty="0">
-                <a:solidFill>
-                  <a:srgbClr val="0B2B91"/>
-                </a:solidFill>
-                <a:latin typeface="Consolas" charset="0"/>
-                <a:ea typeface="Consolas" charset="0"/>
-                <a:cs typeface="Consolas" charset="0"/>
-              </a:rPr>
-              <a:t>if (</a:t>
-            </a:r>
-            <a:r>
-              <a:rPr lang="en-US" sz="2000" dirty="0" err="1">
-                <a:solidFill>
-                  <a:srgbClr val="0B2B91"/>
-                </a:solidFill>
-                <a:latin typeface="Consolas" charset="0"/>
-                <a:ea typeface="Consolas" charset="0"/>
-                <a:cs typeface="Consolas" charset="0"/>
-              </a:rPr>
-              <a:t>i</a:t>
-            </a:r>
-            <a:r>
-              <a:rPr lang="en-US" sz="2000" dirty="0">
-                <a:solidFill>
-                  <a:srgbClr val="0B2B91"/>
-                </a:solidFill>
-                <a:latin typeface="Consolas" charset="0"/>
-                <a:ea typeface="Consolas" charset="0"/>
-                <a:cs typeface="Consolas" charset="0"/>
-              </a:rPr>
-              <a:t> = 2) {</a:t>
-            </a:r>
-          </a:p>
-          <a:p>
-            <a:pPr marL="457200" lvl="1" indent="0">
+              <a:rPr lang="en-US" sz="5000" dirty="0">
+                <a:solidFill>
+                  <a:srgbClr val="0CFA02"/>
+                </a:solidFill>
+                <a:latin typeface="Consolas" charset="0"/>
+                <a:ea typeface="Consolas" charset="0"/>
+                <a:cs typeface="Consolas" charset="0"/>
+              </a:rPr>
+              <a:t>Nothing </a:t>
+            </a:r>
+          </a:p>
+          <a:p>
+            <a:pPr marL="0" indent="0">
               <a:buNone/>
             </a:pPr>
             <a:r>
-              <a:rPr lang="en-US" sz="2000" dirty="0">
-                <a:solidFill>
-                  <a:srgbClr val="0B2B91"/>
-                </a:solidFill>
-                <a:latin typeface="Consolas" charset="0"/>
-                <a:ea typeface="Consolas" charset="0"/>
-                <a:cs typeface="Consolas" charset="0"/>
-              </a:rPr>
-              <a:t>	     </a:t>
-            </a:r>
-            <a:r>
-              <a:rPr lang="en-US" sz="2000" dirty="0" err="1">
-                <a:solidFill>
-                  <a:srgbClr val="0B2B91"/>
-                </a:solidFill>
-                <a:latin typeface="Consolas" charset="0"/>
-                <a:ea typeface="Consolas" charset="0"/>
-                <a:cs typeface="Consolas" charset="0"/>
-              </a:rPr>
-              <a:t>printf</a:t>
-            </a:r>
-            <a:r>
-              <a:rPr lang="en-US" sz="2000" dirty="0">
-                <a:solidFill>
-                  <a:srgbClr val="0B2B91"/>
-                </a:solidFill>
-                <a:latin typeface="Consolas" charset="0"/>
-                <a:ea typeface="Consolas" charset="0"/>
-                <a:cs typeface="Consolas" charset="0"/>
-              </a:rPr>
-              <a:t>(“Are you sure?\n”);</a:t>
-            </a:r>
-          </a:p>
-          <a:p>
-            <a:pPr marL="914400" lvl="2" indent="0">
+              <a:rPr lang="en-US" sz="5000" dirty="0">
+                <a:solidFill>
+                  <a:srgbClr val="FFFF00"/>
+                </a:solidFill>
+                <a:latin typeface="Consolas" charset="0"/>
+                <a:ea typeface="Consolas" charset="0"/>
+                <a:cs typeface="Consolas" charset="0"/>
+              </a:rPr>
+              <a:t>Weekend</a:t>
+            </a:r>
+            <a:r>
+              <a:rPr lang="en-US" sz="5000" dirty="0">
+                <a:latin typeface="Consolas" charset="0"/>
+                <a:ea typeface="Consolas" charset="0"/>
+                <a:cs typeface="Consolas" charset="0"/>
+              </a:rPr>
+              <a:t>  </a:t>
+            </a:r>
+          </a:p>
+          <a:p>
+            <a:pPr marL="0" indent="0">
               <a:buNone/>
             </a:pPr>
             <a:r>
-              <a:rPr lang="en-US" sz="2000" dirty="0">
-                <a:solidFill>
-                  <a:srgbClr val="0B2B91"/>
-                </a:solidFill>
-                <a:latin typeface="Consolas" charset="0"/>
-                <a:ea typeface="Consolas" charset="0"/>
-                <a:cs typeface="Consolas" charset="0"/>
-              </a:rPr>
-              <a:t>}</a:t>
-            </a:r>
-          </a:p>
-          <a:p>
-            <a:r>
-              <a:rPr lang="en-US" dirty="0"/>
-              <a:t>Dangling else</a:t>
-            </a:r>
-          </a:p>
-          <a:p>
-            <a:r>
-              <a:rPr lang="en-US" dirty="0"/>
-              <a:t>Forgetting break in the switch statement</a:t>
+              <a:rPr lang="en-US" sz="5000" dirty="0">
+                <a:solidFill>
+                  <a:srgbClr val="F5A007"/>
+                </a:solidFill>
+                <a:latin typeface="Consolas" charset="0"/>
+                <a:ea typeface="Consolas" charset="0"/>
+                <a:cs typeface="Consolas" charset="0"/>
+              </a:rPr>
+              <a:t>Week Day </a:t>
+            </a:r>
+          </a:p>
+          <a:p>
+            <a:pPr marL="0" indent="0">
+              <a:buNone/>
+            </a:pPr>
+            <a:r>
+              <a:rPr lang="en-US" sz="5000" dirty="0">
+                <a:solidFill>
+                  <a:srgbClr val="F21AF1"/>
+                </a:solidFill>
+                <a:latin typeface="Consolas" charset="0"/>
+                <a:ea typeface="Consolas" charset="0"/>
+                <a:cs typeface="Consolas" charset="0"/>
+              </a:rPr>
+              <a:t>I don't know</a:t>
             </a:r>
           </a:p>
         </p:txBody>
@@ -14458,7 +14195,220 @@
           </a:p>
         </p:txBody>
       </p:sp>
+      <p:sp>
+        <p:nvSpPr>
+          <p:cNvPr id="6" name="TextBox 5"/>
+          <p:cNvSpPr txBox="1"/>
+          <p:nvPr/>
+        </p:nvSpPr>
+        <p:spPr>
+          <a:xfrm>
+            <a:off x="381000" y="1594753"/>
+            <a:ext cx="7391400" cy="2246769"/>
+          </a:xfrm>
+          <a:prstGeom prst="rect">
+            <a:avLst/>
+          </a:prstGeom>
+          <a:noFill/>
+          <a:ln>
+            <a:solidFill>
+              <a:schemeClr val="tx1"/>
+            </a:solidFill>
+            <a:prstDash val="dash"/>
+          </a:ln>
+        </p:spPr>
+        <p:txBody>
+          <a:bodyPr wrap="square" rtlCol="0">
+            <a:spAutoFit/>
+          </a:bodyPr>
+          <a:lstStyle/>
+          <a:p>
+            <a:r>
+              <a:rPr lang="en-US" sz="2000" dirty="0">
+                <a:solidFill>
+                  <a:schemeClr val="bg1"/>
+                </a:solidFill>
+                <a:latin typeface="Consolas" charset="0"/>
+                <a:ea typeface="Consolas" charset="0"/>
+                <a:cs typeface="Consolas" charset="0"/>
+              </a:rPr>
+              <a:t>switch (day) {</a:t>
+            </a:r>
+          </a:p>
+          <a:p>
+            <a:r>
+              <a:rPr lang="en-US" sz="2000" dirty="0">
+                <a:solidFill>
+                  <a:schemeClr val="bg1"/>
+                </a:solidFill>
+                <a:latin typeface="Consolas" charset="0"/>
+                <a:ea typeface="Consolas" charset="0"/>
+                <a:cs typeface="Consolas" charset="0"/>
+              </a:rPr>
+              <a:t>     case 1: case 2</a:t>
+            </a:r>
+            <a:r>
+              <a:rPr lang="en-US" sz="2000">
+                <a:solidFill>
+                  <a:schemeClr val="bg1"/>
+                </a:solidFill>
+                <a:latin typeface="Consolas" charset="0"/>
+                <a:ea typeface="Consolas" charset="0"/>
+                <a:cs typeface="Consolas" charset="0"/>
+              </a:rPr>
+              <a:t>: case 3</a:t>
+            </a:r>
+            <a:r>
+              <a:rPr lang="en-US" sz="2000" dirty="0">
+                <a:solidFill>
+                  <a:schemeClr val="bg1"/>
+                </a:solidFill>
+                <a:latin typeface="Consolas" charset="0"/>
+                <a:ea typeface="Consolas" charset="0"/>
+                <a:cs typeface="Consolas" charset="0"/>
+              </a:rPr>
+              <a:t>: case 4: case 5:</a:t>
+            </a:r>
+          </a:p>
+          <a:p>
+            <a:r>
+              <a:rPr lang="en-US" sz="2000" dirty="0">
+                <a:solidFill>
+                  <a:schemeClr val="bg1"/>
+                </a:solidFill>
+                <a:latin typeface="Consolas" charset="0"/>
+                <a:ea typeface="Consolas" charset="0"/>
+                <a:cs typeface="Consolas" charset="0"/>
+              </a:rPr>
+              <a:t>          </a:t>
+            </a:r>
+            <a:r>
+              <a:rPr lang="en-US" sz="2000" dirty="0" err="1">
+                <a:solidFill>
+                  <a:schemeClr val="bg1"/>
+                </a:solidFill>
+                <a:latin typeface="Consolas" charset="0"/>
+                <a:ea typeface="Consolas" charset="0"/>
+                <a:cs typeface="Consolas" charset="0"/>
+              </a:rPr>
+              <a:t>printf</a:t>
+            </a:r>
+            <a:r>
+              <a:rPr lang="en-US" sz="2000" dirty="0">
+                <a:solidFill>
+                  <a:schemeClr val="bg1"/>
+                </a:solidFill>
+                <a:latin typeface="Consolas" charset="0"/>
+                <a:ea typeface="Consolas" charset="0"/>
+                <a:cs typeface="Consolas" charset="0"/>
+              </a:rPr>
+              <a:t>(“Week day\t”);</a:t>
+            </a:r>
+          </a:p>
+          <a:p>
+            <a:r>
+              <a:rPr lang="en-US" sz="2000" dirty="0">
+                <a:solidFill>
+                  <a:schemeClr val="bg1"/>
+                </a:solidFill>
+                <a:latin typeface="Consolas" charset="0"/>
+                <a:ea typeface="Consolas" charset="0"/>
+                <a:cs typeface="Consolas" charset="0"/>
+              </a:rPr>
+              <a:t>     case 6: case 7:</a:t>
+            </a:r>
+          </a:p>
+          <a:p>
+            <a:r>
+              <a:rPr lang="en-US" sz="2000" dirty="0">
+                <a:solidFill>
+                  <a:schemeClr val="bg1"/>
+                </a:solidFill>
+                <a:latin typeface="Consolas" charset="0"/>
+                <a:ea typeface="Consolas" charset="0"/>
+                <a:cs typeface="Consolas" charset="0"/>
+              </a:rPr>
+              <a:t>          </a:t>
+            </a:r>
+            <a:r>
+              <a:rPr lang="en-US" sz="2000" dirty="0" err="1">
+                <a:solidFill>
+                  <a:schemeClr val="bg1"/>
+                </a:solidFill>
+                <a:latin typeface="Consolas" charset="0"/>
+                <a:ea typeface="Consolas" charset="0"/>
+                <a:cs typeface="Consolas" charset="0"/>
+              </a:rPr>
+              <a:t>printf</a:t>
+            </a:r>
+            <a:r>
+              <a:rPr lang="en-US" sz="2000" dirty="0">
+                <a:solidFill>
+                  <a:schemeClr val="bg1"/>
+                </a:solidFill>
+                <a:latin typeface="Consolas" charset="0"/>
+                <a:ea typeface="Consolas" charset="0"/>
+                <a:cs typeface="Consolas" charset="0"/>
+              </a:rPr>
+              <a:t>(“Weekend\t”);</a:t>
+            </a:r>
+          </a:p>
+          <a:p>
+            <a:r>
+              <a:rPr lang="en-US" sz="2000" dirty="0">
+                <a:solidFill>
+                  <a:schemeClr val="bg1"/>
+                </a:solidFill>
+                <a:latin typeface="Consolas" charset="0"/>
+                <a:ea typeface="Consolas" charset="0"/>
+                <a:cs typeface="Consolas" charset="0"/>
+              </a:rPr>
+              <a:t>     default: </a:t>
+            </a:r>
+            <a:r>
+              <a:rPr lang="en-US" sz="2000" dirty="0" err="1">
+                <a:solidFill>
+                  <a:schemeClr val="bg1"/>
+                </a:solidFill>
+                <a:latin typeface="Consolas" charset="0"/>
+                <a:ea typeface="Consolas" charset="0"/>
+                <a:cs typeface="Consolas" charset="0"/>
+              </a:rPr>
+              <a:t>printf</a:t>
+            </a:r>
+            <a:r>
+              <a:rPr lang="en-US" sz="2000" dirty="0">
+                <a:solidFill>
+                  <a:schemeClr val="bg1"/>
+                </a:solidFill>
+                <a:latin typeface="Consolas" charset="0"/>
+                <a:ea typeface="Consolas" charset="0"/>
+                <a:cs typeface="Consolas" charset="0"/>
+              </a:rPr>
+              <a:t>(“I don’t know\t”);</a:t>
+            </a:r>
+          </a:p>
+          <a:p>
+            <a:r>
+              <a:rPr lang="en-US" sz="2000" dirty="0">
+                <a:solidFill>
+                  <a:schemeClr val="bg1"/>
+                </a:solidFill>
+                <a:latin typeface="Consolas" charset="0"/>
+                <a:ea typeface="Consolas" charset="0"/>
+                <a:cs typeface="Consolas" charset="0"/>
+              </a:rPr>
+              <a:t>}</a:t>
+            </a:r>
+          </a:p>
+        </p:txBody>
+      </p:sp>
     </p:spTree>
+    <p:extLst>
+      <p:ext uri="{BB962C8B-B14F-4D97-AF65-F5344CB8AC3E}">
+        <p14:creationId xmlns:p14="http://schemas.microsoft.com/office/powerpoint/2010/main" val="1945988420"/>
+      </p:ext>
+    </p:extLst>
   </p:cSld>
   <p:clrMapOvr>
     <a:masterClrMapping/>
@@ -14495,14 +14445,12 @@
         </p:nvSpPr>
         <p:spPr/>
         <p:txBody>
-          <a:bodyPr>
-            <a:normAutofit/>
-          </a:bodyPr>
+          <a:bodyPr/>
           <a:lstStyle/>
           <a:p>
             <a:r>
               <a:rPr lang="en-US" dirty="0"/>
-              <a:t>Summary</a:t>
+              <a:t>Pitfalls</a:t>
             </a:r>
           </a:p>
         </p:txBody>
@@ -14526,25 +14474,156 @@
           <a:p>
             <a:r>
               <a:rPr lang="en-US" dirty="0"/>
-              <a:t>Logical Expressions</a:t>
+              <a:t>Lazy execution:</a:t>
+            </a:r>
+          </a:p>
+          <a:p>
+            <a:pPr marL="0" indent="0">
+              <a:buNone/>
+            </a:pPr>
+            <a:r>
+              <a:rPr lang="en-US" dirty="0">
+                <a:latin typeface="Consolas" charset="0"/>
+                <a:ea typeface="Consolas" charset="0"/>
+                <a:cs typeface="Consolas" charset="0"/>
+              </a:rPr>
+              <a:t>	</a:t>
+            </a:r>
+            <a:r>
+              <a:rPr lang="en-US" dirty="0" err="1">
+                <a:solidFill>
+                  <a:srgbClr val="0B2B91"/>
+                </a:solidFill>
+                <a:latin typeface="Consolas" charset="0"/>
+                <a:ea typeface="Consolas" charset="0"/>
+                <a:cs typeface="Consolas" charset="0"/>
+              </a:rPr>
+              <a:t>i</a:t>
+            </a:r>
+            <a:r>
+              <a:rPr lang="en-US" dirty="0">
+                <a:solidFill>
+                  <a:srgbClr val="0B2B91"/>
+                </a:solidFill>
+                <a:latin typeface="Consolas" charset="0"/>
+                <a:ea typeface="Consolas" charset="0"/>
+                <a:cs typeface="Consolas" charset="0"/>
+              </a:rPr>
+              <a:t> &gt; 20 &amp;&amp; j++ &lt; 5</a:t>
             </a:r>
           </a:p>
           <a:p>
             <a:r>
               <a:rPr lang="en-US" dirty="0"/>
-              <a:t>If statement</a:t>
-            </a:r>
-          </a:p>
-          <a:p>
+              <a:t>Using assignment op:</a:t>
+            </a:r>
+          </a:p>
+          <a:p>
+            <a:pPr marL="0" indent="0">
+              <a:buNone/>
+            </a:pPr>
             <a:r>
               <a:rPr lang="en-US" dirty="0"/>
-              <a:t>Conditional statement</a:t>
+              <a:t>	</a:t>
+            </a:r>
+            <a:r>
+              <a:rPr lang="en-US" sz="2000" dirty="0">
+                <a:solidFill>
+                  <a:srgbClr val="0B2B91"/>
+                </a:solidFill>
+                <a:latin typeface="Consolas" charset="0"/>
+                <a:ea typeface="Consolas" charset="0"/>
+                <a:cs typeface="Consolas" charset="0"/>
+              </a:rPr>
+              <a:t>if (</a:t>
+            </a:r>
+            <a:r>
+              <a:rPr lang="en-US" sz="2000" dirty="0" err="1">
+                <a:solidFill>
+                  <a:srgbClr val="0B2B91"/>
+                </a:solidFill>
+                <a:latin typeface="Consolas" charset="0"/>
+                <a:ea typeface="Consolas" charset="0"/>
+                <a:cs typeface="Consolas" charset="0"/>
+              </a:rPr>
+              <a:t>i</a:t>
+            </a:r>
+            <a:r>
+              <a:rPr lang="en-US" sz="2000" dirty="0">
+                <a:solidFill>
+                  <a:srgbClr val="0B2B91"/>
+                </a:solidFill>
+                <a:latin typeface="Consolas" charset="0"/>
+                <a:ea typeface="Consolas" charset="0"/>
+                <a:cs typeface="Consolas" charset="0"/>
+              </a:rPr>
+              <a:t> = 2) {</a:t>
+            </a:r>
+          </a:p>
+          <a:p>
+            <a:pPr marL="457200" lvl="1" indent="0">
+              <a:buNone/>
+            </a:pPr>
+            <a:r>
+              <a:rPr lang="en-US" sz="2000" dirty="0">
+                <a:solidFill>
+                  <a:srgbClr val="0B2B91"/>
+                </a:solidFill>
+                <a:latin typeface="Consolas" charset="0"/>
+                <a:ea typeface="Consolas" charset="0"/>
+                <a:cs typeface="Consolas" charset="0"/>
+              </a:rPr>
+              <a:t>	     </a:t>
+            </a:r>
+            <a:r>
+              <a:rPr lang="en-US" sz="2000" dirty="0" err="1">
+                <a:solidFill>
+                  <a:srgbClr val="0B2B91"/>
+                </a:solidFill>
+                <a:latin typeface="Consolas" charset="0"/>
+                <a:ea typeface="Consolas" charset="0"/>
+                <a:cs typeface="Consolas" charset="0"/>
+              </a:rPr>
+              <a:t>printf</a:t>
+            </a:r>
+            <a:r>
+              <a:rPr lang="en-US" sz="2000" dirty="0">
+                <a:solidFill>
+                  <a:srgbClr val="0B2B91"/>
+                </a:solidFill>
+                <a:latin typeface="Consolas" charset="0"/>
+                <a:ea typeface="Consolas" charset="0"/>
+                <a:cs typeface="Consolas" charset="0"/>
+              </a:rPr>
+              <a:t>(“Are you sure?\n”);</a:t>
+            </a:r>
+          </a:p>
+          <a:p>
+            <a:pPr marL="914400" lvl="2" indent="0">
+              <a:buNone/>
+            </a:pPr>
+            <a:r>
+              <a:rPr lang="en-US" sz="2000" dirty="0">
+                <a:solidFill>
+                  <a:srgbClr val="0B2B91"/>
+                </a:solidFill>
+                <a:latin typeface="Consolas" charset="0"/>
+                <a:ea typeface="Consolas" charset="0"/>
+                <a:cs typeface="Consolas" charset="0"/>
+              </a:rPr>
+              <a:t>}</a:t>
             </a:r>
           </a:p>
           <a:p>
             <a:r>
               <a:rPr lang="en-US" dirty="0"/>
-              <a:t>Switch statement</a:t>
+              <a:t>Dangling else</a:t>
+            </a:r>
+          </a:p>
+          <a:p>
+            <a:r>
+              <a:rPr lang="en-US" dirty="0"/>
+              <a:t>Forgetting break in the switch statement</a:t>
             </a:r>
           </a:p>
         </p:txBody>
@@ -14568,6 +14647,121 @@
               <a:rPr lang="en-US" smtClean="0"/>
               <a:pPr/>
               <a:t>31</a:t>
+            </a:fld>
+            <a:endParaRPr lang="en-US" dirty="0"/>
+          </a:p>
+        </p:txBody>
+      </p:sp>
+    </p:spTree>
+  </p:cSld>
+  <p:clrMapOvr>
+    <a:masterClrMapping/>
+  </p:clrMapOvr>
+</p:sld>
+</file>
+
+<file path=ppt/slides/slide32.xml><?xml version="1.0" encoding="utf-8"?>
+<p:sld xmlns:a="http://schemas.openxmlformats.org/drawingml/2006/main" xmlns:r="http://schemas.openxmlformats.org/officeDocument/2006/relationships" xmlns:p="http://schemas.openxmlformats.org/presentationml/2006/main">
+  <p:cSld>
+    <p:spTree>
+      <p:nvGrpSpPr>
+        <p:cNvPr id="1" name=""/>
+        <p:cNvGrpSpPr/>
+        <p:nvPr/>
+      </p:nvGrpSpPr>
+      <p:grpSpPr>
+        <a:xfrm>
+          <a:off x="0" y="0"/>
+          <a:ext cx="0" cy="0"/>
+          <a:chOff x="0" y="0"/>
+          <a:chExt cx="0" cy="0"/>
+        </a:xfrm>
+      </p:grpSpPr>
+      <p:sp>
+        <p:nvSpPr>
+          <p:cNvPr id="2" name="Title 1"/>
+          <p:cNvSpPr>
+            <a:spLocks noGrp="1"/>
+          </p:cNvSpPr>
+          <p:nvPr>
+            <p:ph type="title"/>
+          </p:nvPr>
+        </p:nvSpPr>
+        <p:spPr/>
+        <p:txBody>
+          <a:bodyPr>
+            <a:normAutofit/>
+          </a:bodyPr>
+          <a:lstStyle/>
+          <a:p>
+            <a:r>
+              <a:rPr lang="en-US" dirty="0"/>
+              <a:t>Summary</a:t>
+            </a:r>
+          </a:p>
+        </p:txBody>
+      </p:sp>
+      <p:sp>
+        <p:nvSpPr>
+          <p:cNvPr id="3" name="Content Placeholder 2"/>
+          <p:cNvSpPr>
+            <a:spLocks noGrp="1"/>
+          </p:cNvSpPr>
+          <p:nvPr>
+            <p:ph idx="1"/>
+          </p:nvPr>
+        </p:nvSpPr>
+        <p:spPr/>
+        <p:txBody>
+          <a:bodyPr>
+            <a:normAutofit/>
+          </a:bodyPr>
+          <a:lstStyle/>
+          <a:p>
+            <a:r>
+              <a:rPr lang="en-US" dirty="0"/>
+              <a:t>Logical Expressions</a:t>
+            </a:r>
+          </a:p>
+          <a:p>
+            <a:r>
+              <a:rPr lang="en-US" dirty="0"/>
+              <a:t>If statement</a:t>
+            </a:r>
+          </a:p>
+          <a:p>
+            <a:r>
+              <a:rPr lang="en-US" dirty="0"/>
+              <a:t>Conditional statement</a:t>
+            </a:r>
+          </a:p>
+          <a:p>
+            <a:r>
+              <a:rPr lang="en-US" dirty="0"/>
+              <a:t>Switch statement</a:t>
+            </a:r>
+          </a:p>
+        </p:txBody>
+      </p:sp>
+      <p:sp>
+        <p:nvSpPr>
+          <p:cNvPr id="12" name="Slide Number Placeholder 11"/>
+          <p:cNvSpPr>
+            <a:spLocks noGrp="1"/>
+          </p:cNvSpPr>
+          <p:nvPr>
+            <p:ph type="sldNum" sz="quarter" idx="12"/>
+          </p:nvPr>
+        </p:nvSpPr>
+        <p:spPr/>
+        <p:txBody>
+          <a:bodyPr/>
+          <a:lstStyle/>
+          <a:p>
+            <a:fld id="{B6F15528-21DE-4FAA-801E-634DDDAF4B2B}" type="slidenum">
+              <a:rPr lang="en-US" smtClean="0"/>
+              <a:pPr/>
+              <a:t>32</a:t>
             </a:fld>
             <a:endParaRPr lang="en-US" dirty="0"/>
           </a:p>
